--- a/Figures/Selectivity_Figures/bispecific selecitivity.pptx
+++ b/Figures/Selectivity_Figures/bispecific selecitivity.pptx
@@ -9,8 +9,12 @@
     <p:sldId id="257" r:id="rId3"/>
     <p:sldId id="260" r:id="rId4"/>
     <p:sldId id="261" r:id="rId5"/>
-    <p:sldId id="258" r:id="rId6"/>
-    <p:sldId id="259" r:id="rId7"/>
+    <p:sldId id="262" r:id="rId6"/>
+    <p:sldId id="263" r:id="rId7"/>
+    <p:sldId id="264" r:id="rId8"/>
+    <p:sldId id="265" r:id="rId9"/>
+    <p:sldId id="258" r:id="rId10"/>
+    <p:sldId id="259" r:id="rId11"/>
   </p:sldIdLst>
   <p:sldSz cx="12192000" cy="6858000"/>
   <p:notesSz cx="6858000" cy="9144000"/>
@@ -3418,6 +3422,433 @@
 </p:sld>
 </file>
 
+<file path=ppt/slides/slide10.xml><?xml version="1.0" encoding="utf-8"?>
+<p:sld xmlns:a="http://schemas.openxmlformats.org/drawingml/2006/main" xmlns:r="http://schemas.openxmlformats.org/officeDocument/2006/relationships" xmlns:p="http://schemas.openxmlformats.org/presentationml/2006/main">
+  <p:cSld>
+    <p:spTree>
+      <p:nvGrpSpPr>
+        <p:cNvPr id="1" name=""/>
+        <p:cNvGrpSpPr/>
+        <p:nvPr/>
+      </p:nvGrpSpPr>
+      <p:grpSpPr>
+        <a:xfrm>
+          <a:off x="0" y="0"/>
+          <a:ext cx="0" cy="0"/>
+          <a:chOff x="0" y="0"/>
+          <a:chExt cx="0" cy="0"/>
+        </a:xfrm>
+      </p:grpSpPr>
+      <p:pic>
+        <p:nvPicPr>
+          <p:cNvPr id="5" name="Picture 4" descr="A graph of a number&#10;&#10;Description automatically generated with medium confidence">
+            <a:extLst>
+              <a:ext uri="{FF2B5EF4-FFF2-40B4-BE49-F238E27FC236}">
+                <a16:creationId xmlns:a16="http://schemas.microsoft.com/office/drawing/2014/main" id="{93018A9E-6269-A474-97D3-B07B506FFEE5}"/>
+              </a:ext>
+            </a:extLst>
+          </p:cNvPr>
+          <p:cNvPicPr>
+            <a:picLocks noChangeAspect="1"/>
+          </p:cNvPicPr>
+          <p:nvPr/>
+        </p:nvPicPr>
+        <p:blipFill rotWithShape="1">
+          <a:blip r:embed="rId2"/>
+          <a:srcRect t="8773" r="13229"/>
+          <a:stretch/>
+        </p:blipFill>
+        <p:spPr>
+          <a:xfrm>
+            <a:off x="1483069" y="146305"/>
+            <a:ext cx="3921035" cy="3206330"/>
+          </a:xfrm>
+          <a:prstGeom prst="rect">
+            <a:avLst/>
+          </a:prstGeom>
+        </p:spPr>
+      </p:pic>
+      <p:pic>
+        <p:nvPicPr>
+          <p:cNvPr id="7" name="Picture 6" descr="A chart with a gradient of purple and orange&#10;&#10;Description automatically generated with medium confidence">
+            <a:extLst>
+              <a:ext uri="{FF2B5EF4-FFF2-40B4-BE49-F238E27FC236}">
+                <a16:creationId xmlns:a16="http://schemas.microsoft.com/office/drawing/2014/main" id="{0DD5F3C1-B765-A093-3C8C-8BFBDAD7079D}"/>
+              </a:ext>
+            </a:extLst>
+          </p:cNvPr>
+          <p:cNvPicPr>
+            <a:picLocks noChangeAspect="1"/>
+          </p:cNvPicPr>
+          <p:nvPr/>
+        </p:nvPicPr>
+        <p:blipFill rotWithShape="1">
+          <a:blip r:embed="rId3"/>
+          <a:srcRect t="8250" r="13420"/>
+          <a:stretch/>
+        </p:blipFill>
+        <p:spPr>
+          <a:xfrm>
+            <a:off x="7004952" y="146304"/>
+            <a:ext cx="4297032" cy="3415209"/>
+          </a:xfrm>
+          <a:prstGeom prst="rect">
+            <a:avLst/>
+          </a:prstGeom>
+        </p:spPr>
+      </p:pic>
+      <p:pic>
+        <p:nvPicPr>
+          <p:cNvPr id="9" name="Picture 8" descr="A chart with numbers and a square&#10;&#10;Description automatically generated with medium confidence">
+            <a:extLst>
+              <a:ext uri="{FF2B5EF4-FFF2-40B4-BE49-F238E27FC236}">
+                <a16:creationId xmlns:a16="http://schemas.microsoft.com/office/drawing/2014/main" id="{38DBB168-D66F-AC73-5BE4-175B8CD41AF3}"/>
+              </a:ext>
+            </a:extLst>
+          </p:cNvPr>
+          <p:cNvPicPr>
+            <a:picLocks noChangeAspect="1"/>
+          </p:cNvPicPr>
+          <p:nvPr/>
+        </p:nvPicPr>
+        <p:blipFill rotWithShape="1">
+          <a:blip r:embed="rId4"/>
+          <a:srcRect t="8300" r="14943"/>
+          <a:stretch/>
+        </p:blipFill>
+        <p:spPr>
+          <a:xfrm>
+            <a:off x="1428205" y="3505366"/>
+            <a:ext cx="3975899" cy="3333865"/>
+          </a:xfrm>
+          <a:prstGeom prst="rect">
+            <a:avLst/>
+          </a:prstGeom>
+        </p:spPr>
+      </p:pic>
+      <p:pic>
+        <p:nvPicPr>
+          <p:cNvPr id="11" name="Picture 10" descr="A graph of a number of colored squares&#10;&#10;Description automatically generated with medium confidence">
+            <a:extLst>
+              <a:ext uri="{FF2B5EF4-FFF2-40B4-BE49-F238E27FC236}">
+                <a16:creationId xmlns:a16="http://schemas.microsoft.com/office/drawing/2014/main" id="{FA2E6B1C-6BDF-DBBC-A902-1DDE27D1D661}"/>
+              </a:ext>
+            </a:extLst>
+          </p:cNvPr>
+          <p:cNvPicPr>
+            <a:picLocks noChangeAspect="1"/>
+          </p:cNvPicPr>
+          <p:nvPr/>
+        </p:nvPicPr>
+        <p:blipFill rotWithShape="1">
+          <a:blip r:embed="rId5"/>
+          <a:srcRect t="8300" r="13275"/>
+          <a:stretch/>
+        </p:blipFill>
+        <p:spPr>
+          <a:xfrm>
+            <a:off x="7248131" y="3505366"/>
+            <a:ext cx="4053853" cy="3333866"/>
+          </a:xfrm>
+          <a:prstGeom prst="rect">
+            <a:avLst/>
+          </a:prstGeom>
+        </p:spPr>
+      </p:pic>
+      <p:sp>
+        <p:nvSpPr>
+          <p:cNvPr id="12" name="TextBox 11">
+            <a:extLst>
+              <a:ext uri="{FF2B5EF4-FFF2-40B4-BE49-F238E27FC236}">
+                <a16:creationId xmlns:a16="http://schemas.microsoft.com/office/drawing/2014/main" id="{EDEDAD0E-BF8A-FCEA-6ABB-9447862CBF74}"/>
+              </a:ext>
+            </a:extLst>
+          </p:cNvPr>
+          <p:cNvSpPr txBox="1"/>
+          <p:nvPr/>
+        </p:nvSpPr>
+        <p:spPr>
+          <a:xfrm>
+            <a:off x="2552328" y="466344"/>
+            <a:ext cx="1946238" cy="369332"/>
+          </a:xfrm>
+          <a:prstGeom prst="rect">
+            <a:avLst/>
+          </a:prstGeom>
+          <a:noFill/>
+        </p:spPr>
+        <p:txBody>
+          <a:bodyPr wrap="none" rtlCol="0">
+            <a:spAutoFit/>
+          </a:bodyPr>
+          <a:lstStyle/>
+          <a:p>
+            <a:r>
+              <a:rPr lang="en-US" dirty="0" err="1">
+                <a:solidFill>
+                  <a:schemeClr val="bg1"/>
+                </a:solidFill>
+              </a:rPr>
+              <a:t>Rtot_target</a:t>
+            </a:r>
+            <a:r>
+              <a:rPr lang="en-US" dirty="0">
+                <a:solidFill>
+                  <a:schemeClr val="bg1"/>
+                </a:solidFill>
+              </a:rPr>
+              <a:t> =10^3 </a:t>
+            </a:r>
+          </a:p>
+        </p:txBody>
+      </p:sp>
+      <p:sp>
+        <p:nvSpPr>
+          <p:cNvPr id="13" name="TextBox 12">
+            <a:extLst>
+              <a:ext uri="{FF2B5EF4-FFF2-40B4-BE49-F238E27FC236}">
+                <a16:creationId xmlns:a16="http://schemas.microsoft.com/office/drawing/2014/main" id="{02EC1ECA-50E9-B280-A856-A7432EADED1E}"/>
+              </a:ext>
+            </a:extLst>
+          </p:cNvPr>
+          <p:cNvSpPr txBox="1"/>
+          <p:nvPr/>
+        </p:nvSpPr>
+        <p:spPr>
+          <a:xfrm>
+            <a:off x="8180349" y="466344"/>
+            <a:ext cx="1946238" cy="369332"/>
+          </a:xfrm>
+          <a:prstGeom prst="rect">
+            <a:avLst/>
+          </a:prstGeom>
+          <a:noFill/>
+        </p:spPr>
+        <p:txBody>
+          <a:bodyPr wrap="none" rtlCol="0">
+            <a:spAutoFit/>
+          </a:bodyPr>
+          <a:lstStyle/>
+          <a:p>
+            <a:r>
+              <a:rPr lang="en-US" dirty="0" err="1">
+                <a:solidFill>
+                  <a:schemeClr val="bg1"/>
+                </a:solidFill>
+              </a:rPr>
+              <a:t>Rtot_target</a:t>
+            </a:r>
+            <a:r>
+              <a:rPr lang="en-US" dirty="0">
+                <a:solidFill>
+                  <a:schemeClr val="bg1"/>
+                </a:solidFill>
+              </a:rPr>
+              <a:t> =10^5 </a:t>
+            </a:r>
+          </a:p>
+        </p:txBody>
+      </p:sp>
+      <p:sp>
+        <p:nvSpPr>
+          <p:cNvPr id="14" name="TextBox 13">
+            <a:extLst>
+              <a:ext uri="{FF2B5EF4-FFF2-40B4-BE49-F238E27FC236}">
+                <a16:creationId xmlns:a16="http://schemas.microsoft.com/office/drawing/2014/main" id="{29C4AAF8-81EF-4DB2-079B-DA237047EEEA}"/>
+              </a:ext>
+            </a:extLst>
+          </p:cNvPr>
+          <p:cNvSpPr txBox="1"/>
+          <p:nvPr/>
+        </p:nvSpPr>
+        <p:spPr>
+          <a:xfrm>
+            <a:off x="71437" y="1418827"/>
+            <a:ext cx="1369799" cy="646331"/>
+          </a:xfrm>
+          <a:prstGeom prst="rect">
+            <a:avLst/>
+          </a:prstGeom>
+          <a:noFill/>
+        </p:spPr>
+        <p:txBody>
+          <a:bodyPr wrap="none" rtlCol="0">
+            <a:spAutoFit/>
+          </a:bodyPr>
+          <a:lstStyle/>
+          <a:p>
+            <a:r>
+              <a:rPr lang="en-US" dirty="0"/>
+              <a:t>KD(target) = </a:t>
+            </a:r>
+          </a:p>
+          <a:p>
+            <a:r>
+              <a:rPr lang="en-US" dirty="0"/>
+              <a:t>1nM</a:t>
+            </a:r>
+          </a:p>
+        </p:txBody>
+      </p:sp>
+      <p:sp>
+        <p:nvSpPr>
+          <p:cNvPr id="15" name="TextBox 14">
+            <a:extLst>
+              <a:ext uri="{FF2B5EF4-FFF2-40B4-BE49-F238E27FC236}">
+                <a16:creationId xmlns:a16="http://schemas.microsoft.com/office/drawing/2014/main" id="{E5AAC1FA-F208-DA3E-9994-31F2C65DEAB9}"/>
+              </a:ext>
+            </a:extLst>
+          </p:cNvPr>
+          <p:cNvSpPr txBox="1"/>
+          <p:nvPr/>
+        </p:nvSpPr>
+        <p:spPr>
+          <a:xfrm>
+            <a:off x="71437" y="4615981"/>
+            <a:ext cx="1264000" cy="646331"/>
+          </a:xfrm>
+          <a:prstGeom prst="rect">
+            <a:avLst/>
+          </a:prstGeom>
+          <a:noFill/>
+        </p:spPr>
+        <p:txBody>
+          <a:bodyPr wrap="none" rtlCol="0">
+            <a:spAutoFit/>
+          </a:bodyPr>
+          <a:lstStyle/>
+          <a:p>
+            <a:r>
+              <a:rPr lang="en-US" dirty="0"/>
+              <a:t>KD(target)=</a:t>
+            </a:r>
+          </a:p>
+          <a:p>
+            <a:r>
+              <a:rPr lang="en-US" dirty="0"/>
+              <a:t>100nM</a:t>
+            </a:r>
+          </a:p>
+        </p:txBody>
+      </p:sp>
+      <p:sp>
+        <p:nvSpPr>
+          <p:cNvPr id="16" name="TextBox 15">
+            <a:extLst>
+              <a:ext uri="{FF2B5EF4-FFF2-40B4-BE49-F238E27FC236}">
+                <a16:creationId xmlns:a16="http://schemas.microsoft.com/office/drawing/2014/main" id="{3EB1EA4D-C820-258A-58D0-ED1615A7F395}"/>
+              </a:ext>
+            </a:extLst>
+          </p:cNvPr>
+          <p:cNvSpPr txBox="1"/>
+          <p:nvPr/>
+        </p:nvSpPr>
+        <p:spPr>
+          <a:xfrm>
+            <a:off x="-30631" y="6007608"/>
+            <a:ext cx="1887055" cy="338554"/>
+          </a:xfrm>
+          <a:prstGeom prst="rect">
+            <a:avLst/>
+          </a:prstGeom>
+          <a:noFill/>
+        </p:spPr>
+        <p:txBody>
+          <a:bodyPr wrap="none" rtlCol="0">
+            <a:spAutoFit/>
+          </a:bodyPr>
+          <a:lstStyle/>
+          <a:p>
+            <a:r>
+              <a:rPr lang="en-US" sz="1600" dirty="0"/>
+              <a:t>D=10^-14 (m^2s^-1)</a:t>
+            </a:r>
+          </a:p>
+        </p:txBody>
+      </p:sp>
+      <p:sp>
+        <p:nvSpPr>
+          <p:cNvPr id="17" name="TextBox 16">
+            <a:extLst>
+              <a:ext uri="{FF2B5EF4-FFF2-40B4-BE49-F238E27FC236}">
+                <a16:creationId xmlns:a16="http://schemas.microsoft.com/office/drawing/2014/main" id="{F598AF38-48AD-4232-4715-E3582674B615}"/>
+              </a:ext>
+            </a:extLst>
+          </p:cNvPr>
+          <p:cNvSpPr txBox="1"/>
+          <p:nvPr/>
+        </p:nvSpPr>
+        <p:spPr>
+          <a:xfrm>
+            <a:off x="79697" y="189345"/>
+            <a:ext cx="1879600" cy="646331"/>
+          </a:xfrm>
+          <a:prstGeom prst="rect">
+            <a:avLst/>
+          </a:prstGeom>
+          <a:noFill/>
+        </p:spPr>
+        <p:txBody>
+          <a:bodyPr wrap="square" rtlCol="0">
+            <a:spAutoFit/>
+          </a:bodyPr>
+          <a:lstStyle/>
+          <a:p>
+            <a:r>
+              <a:rPr lang="en-US" dirty="0"/>
+              <a:t>Bound Antibody EC50 plots</a:t>
+            </a:r>
+          </a:p>
+        </p:txBody>
+      </p:sp>
+      <p:sp>
+        <p:nvSpPr>
+          <p:cNvPr id="18" name="TextBox 17">
+            <a:extLst>
+              <a:ext uri="{FF2B5EF4-FFF2-40B4-BE49-F238E27FC236}">
+                <a16:creationId xmlns:a16="http://schemas.microsoft.com/office/drawing/2014/main" id="{29E3339B-472D-35F5-6E72-BEB35545F503}"/>
+              </a:ext>
+            </a:extLst>
+          </p:cNvPr>
+          <p:cNvSpPr txBox="1"/>
+          <p:nvPr/>
+        </p:nvSpPr>
+        <p:spPr>
+          <a:xfrm>
+            <a:off x="-3509" y="3171975"/>
+            <a:ext cx="1832809" cy="369332"/>
+          </a:xfrm>
+          <a:prstGeom prst="rect">
+            <a:avLst/>
+          </a:prstGeom>
+          <a:noFill/>
+        </p:spPr>
+        <p:txBody>
+          <a:bodyPr wrap="none" rtlCol="0">
+            <a:spAutoFit/>
+          </a:bodyPr>
+          <a:lstStyle/>
+          <a:p>
+            <a:r>
+              <a:rPr lang="en-US" dirty="0"/>
+              <a:t>!!Wrong KD axis!!</a:t>
+            </a:r>
+          </a:p>
+        </p:txBody>
+      </p:sp>
+    </p:spTree>
+    <p:extLst>
+      <p:ext uri="{BB962C8B-B14F-4D97-AF65-F5344CB8AC3E}">
+        <p14:creationId xmlns:p14="http://schemas.microsoft.com/office/powerpoint/2010/main" val="3599495476"/>
+      </p:ext>
+    </p:extLst>
+  </p:cSld>
+  <p:clrMapOvr>
+    <a:masterClrMapping/>
+  </p:clrMapOvr>
+</p:sld>
+</file>
+
 <file path=ppt/slides/slide2.xml><?xml version="1.0" encoding="utf-8"?>
 <p:sld xmlns:a="http://schemas.openxmlformats.org/drawingml/2006/main" xmlns:r="http://schemas.openxmlformats.org/officeDocument/2006/relationships" xmlns:p="http://schemas.openxmlformats.org/presentationml/2006/main">
   <p:cSld>
@@ -3694,7 +4125,7 @@
         </p:nvSpPr>
         <p:spPr>
           <a:xfrm>
-            <a:off x="2737715" y="3716290"/>
+            <a:off x="2620696" y="727131"/>
             <a:ext cx="1552028" cy="369332"/>
           </a:xfrm>
           <a:prstGeom prst="rect">
@@ -3729,7 +4160,7 @@
         </p:nvSpPr>
         <p:spPr>
           <a:xfrm>
-            <a:off x="2854734" y="426720"/>
+            <a:off x="2737715" y="3841304"/>
             <a:ext cx="1317990" cy="369332"/>
           </a:xfrm>
           <a:prstGeom prst="rect">
@@ -3746,6 +4177,41 @@
             <a:r>
               <a:rPr lang="en-US" dirty="0"/>
               <a:t>100nm 1nm</a:t>
+            </a:r>
+          </a:p>
+        </p:txBody>
+      </p:sp>
+      <p:sp>
+        <p:nvSpPr>
+          <p:cNvPr id="17" name="TextBox 16">
+            <a:extLst>
+              <a:ext uri="{FF2B5EF4-FFF2-40B4-BE49-F238E27FC236}">
+                <a16:creationId xmlns:a16="http://schemas.microsoft.com/office/drawing/2014/main" id="{151F732B-B58D-2B0E-A214-D61703F13C9D}"/>
+              </a:ext>
+            </a:extLst>
+          </p:cNvPr>
+          <p:cNvSpPr txBox="1"/>
+          <p:nvPr/>
+        </p:nvSpPr>
+        <p:spPr>
+          <a:xfrm>
+            <a:off x="433068" y="357799"/>
+            <a:ext cx="1167820" cy="369332"/>
+          </a:xfrm>
+          <a:prstGeom prst="rect">
+            <a:avLst/>
+          </a:prstGeom>
+          <a:noFill/>
+        </p:spPr>
+        <p:txBody>
+          <a:bodyPr wrap="none" rtlCol="0">
+            <a:spAutoFit/>
+          </a:bodyPr>
+          <a:lstStyle/>
+          <a:p>
+            <a:r>
+              <a:rPr lang="en-US" dirty="0"/>
+              <a:t>EC50 plots</a:t>
             </a:r>
           </a:p>
         </p:txBody>
@@ -4068,38 +4534,10 @@
       </p:grpSpPr>
       <p:pic>
         <p:nvPicPr>
-          <p:cNvPr id="5" name="Content Placeholder 4" descr="A chart of a gradient&#10;&#10;Description automatically generated with medium confidence">
-            <a:extLst>
-              <a:ext uri="{FF2B5EF4-FFF2-40B4-BE49-F238E27FC236}">
-                <a16:creationId xmlns:a16="http://schemas.microsoft.com/office/drawing/2014/main" id="{C7FFCD88-1008-68DC-8343-9D7E8F4B42C1}"/>
-              </a:ext>
-            </a:extLst>
-          </p:cNvPr>
-          <p:cNvPicPr>
-            <a:picLocks noGrp="1" noChangeAspect="1"/>
-          </p:cNvPicPr>
-          <p:nvPr>
-            <p:ph idx="1"/>
-          </p:nvPr>
-        </p:nvPicPr>
-        <p:blipFill rotWithShape="1">
-          <a:blip r:embed="rId2"/>
-          <a:srcRect t="8445" r="12024"/>
-          <a:stretch/>
-        </p:blipFill>
-        <p:spPr>
-          <a:xfrm>
-            <a:off x="1441236" y="54987"/>
-            <a:ext cx="4168423" cy="3374013"/>
-          </a:xfrm>
-        </p:spPr>
-      </p:pic>
-      <p:pic>
-        <p:nvPicPr>
-          <p:cNvPr id="7" name="Picture 6" descr="A graph of a number of objects&#10;&#10;Description automatically generated with medium confidence">
-            <a:extLst>
-              <a:ext uri="{FF2B5EF4-FFF2-40B4-BE49-F238E27FC236}">
-                <a16:creationId xmlns:a16="http://schemas.microsoft.com/office/drawing/2014/main" id="{F03AF90A-F954-A750-10E4-68EA0093E645}"/>
+          <p:cNvPr id="5" name="Picture 4">
+            <a:extLst>
+              <a:ext uri="{FF2B5EF4-FFF2-40B4-BE49-F238E27FC236}">
+                <a16:creationId xmlns:a16="http://schemas.microsoft.com/office/drawing/2014/main" id="{723E4981-9135-0B89-BA51-5DAFC3F3C739}"/>
               </a:ext>
             </a:extLst>
           </p:cNvPr>
@@ -4108,15 +4546,16 @@
           </p:cNvPicPr>
           <p:nvPr/>
         </p:nvPicPr>
-        <p:blipFill rotWithShape="1">
-          <a:blip r:embed="rId3"/>
-          <a:srcRect t="8773" r="13089"/>
-          <a:stretch/>
+        <p:blipFill>
+          <a:blip r:embed="rId8"/>
+          <a:stretch>
+            <a:fillRect/>
+          </a:stretch>
         </p:blipFill>
         <p:spPr>
           <a:xfrm>
-            <a:off x="6917882" y="44258"/>
-            <a:ext cx="4238541" cy="3336785"/>
+            <a:off x="320590" y="385290"/>
+            <a:ext cx="5664200" cy="4406900"/>
           </a:xfrm>
           <a:prstGeom prst="rect">
             <a:avLst/>
@@ -4125,10 +4564,78 @@
       </p:pic>
       <p:pic>
         <p:nvPicPr>
-          <p:cNvPr id="9" name="Picture 8" descr="A graph of a color&#10;&#10;Description automatically generated with medium confidence">
-            <a:extLst>
-              <a:ext uri="{FF2B5EF4-FFF2-40B4-BE49-F238E27FC236}">
-                <a16:creationId xmlns:a16="http://schemas.microsoft.com/office/drawing/2014/main" id="{D5E91AA7-38AC-D06E-BA0F-6BF0809F70A0}"/>
+          <p:cNvPr id="9" name="Picture 8" descr="\documentclass{article}&#10;\usepackage{amsmath}&#10;\pagestyle{empty}&#10;\begin{document}&#10;&#10;&#10;$$ r_{target} = r_{anchor} = 10^5 $$&#10;&#10;\end{document}" title="IguanaTex Bitmap Display">
+            <a:extLst>
+              <a:ext uri="{FF2B5EF4-FFF2-40B4-BE49-F238E27FC236}">
+                <a16:creationId xmlns:a16="http://schemas.microsoft.com/office/drawing/2014/main" id="{1BCD1614-C3EE-A9C1-FD76-5165A146560E}"/>
+              </a:ext>
+            </a:extLst>
+          </p:cNvPr>
+          <p:cNvPicPr>
+            <a:picLocks noChangeAspect="1"/>
+          </p:cNvPicPr>
+          <p:nvPr>
+            <p:custDataLst>
+              <p:tags r:id="rId1"/>
+            </p:custDataLst>
+          </p:nvPr>
+        </p:nvPicPr>
+        <p:blipFill>
+          <a:blip r:embed="rId9"/>
+          <a:stretch>
+            <a:fillRect/>
+          </a:stretch>
+        </p:blipFill>
+        <p:spPr>
+          <a:xfrm>
+            <a:off x="2260600" y="5093214"/>
+            <a:ext cx="2489200" cy="304800"/>
+          </a:xfrm>
+          <a:prstGeom prst="rect">
+            <a:avLst/>
+          </a:prstGeom>
+        </p:spPr>
+      </p:pic>
+      <p:pic>
+        <p:nvPicPr>
+          <p:cNvPr id="16" name="Picture 15" descr="\documentclass{article}&#10;\usepackage{amsmath}&#10;\pagestyle{empty}&#10;\begin{document}&#10;&#10;&#10;$$ KD_{target}=KD_{anchor} = 10{-9} \text{ (M)} $$&#10;&#10;\end{document}" title="IguanaTex Bitmap Display">
+            <a:extLst>
+              <a:ext uri="{FF2B5EF4-FFF2-40B4-BE49-F238E27FC236}">
+                <a16:creationId xmlns:a16="http://schemas.microsoft.com/office/drawing/2014/main" id="{4E09C024-FDD0-0378-6B6D-1DCF5C8EED4D}"/>
+              </a:ext>
+            </a:extLst>
+          </p:cNvPr>
+          <p:cNvPicPr>
+            <a:picLocks noChangeAspect="1"/>
+          </p:cNvPicPr>
+          <p:nvPr>
+            <p:custDataLst>
+              <p:tags r:id="rId2"/>
+            </p:custDataLst>
+          </p:nvPr>
+        </p:nvPicPr>
+        <p:blipFill>
+          <a:blip r:embed="rId10"/>
+          <a:stretch>
+            <a:fillRect/>
+          </a:stretch>
+        </p:blipFill>
+        <p:spPr>
+          <a:xfrm>
+            <a:off x="3859084" y="5833248"/>
+            <a:ext cx="3860800" cy="279400"/>
+          </a:xfrm>
+          <a:prstGeom prst="rect">
+            <a:avLst/>
+          </a:prstGeom>
+        </p:spPr>
+      </p:pic>
+      <p:pic>
+        <p:nvPicPr>
+          <p:cNvPr id="14" name="Picture 13">
+            <a:extLst>
+              <a:ext uri="{FF2B5EF4-FFF2-40B4-BE49-F238E27FC236}">
+                <a16:creationId xmlns:a16="http://schemas.microsoft.com/office/drawing/2014/main" id="{221D0C96-5A58-8CC7-FD11-3CA6F99B4EF9}"/>
               </a:ext>
             </a:extLst>
           </p:cNvPr>
@@ -4137,15 +4644,16 @@
           </p:cNvPicPr>
           <p:nvPr/>
         </p:nvPicPr>
-        <p:blipFill rotWithShape="1">
-          <a:blip r:embed="rId4"/>
-          <a:srcRect t="9070" r="13638"/>
-          <a:stretch/>
+        <p:blipFill>
+          <a:blip r:embed="rId11"/>
+          <a:stretch>
+            <a:fillRect/>
+          </a:stretch>
         </p:blipFill>
         <p:spPr>
           <a:xfrm>
-            <a:off x="1441236" y="3502432"/>
-            <a:ext cx="4168423" cy="3413611"/>
+            <a:off x="5979135" y="424253"/>
+            <a:ext cx="5487935" cy="4269761"/>
           </a:xfrm>
           <a:prstGeom prst="rect">
             <a:avLst/>
@@ -4154,275 +4662,144 @@
       </p:pic>
       <p:pic>
         <p:nvPicPr>
-          <p:cNvPr id="11" name="Picture 10" descr="A graph of a number of numbers&#10;&#10;Description automatically generated with medium confidence">
-            <a:extLst>
-              <a:ext uri="{FF2B5EF4-FFF2-40B4-BE49-F238E27FC236}">
-                <a16:creationId xmlns:a16="http://schemas.microsoft.com/office/drawing/2014/main" id="{5EDEC001-59EC-C9CE-019C-FB2966DCF710}"/>
+          <p:cNvPr id="18" name="Picture 17" descr="\documentclass{article}&#10;\usepackage{amsmath}&#10;\pagestyle{empty}&#10;\begin{document}&#10;&#10;&#10;$$ r_{target} = 10^3 $$&#10;&#10;\end{document}" title="IguanaTex Bitmap Display">
+            <a:extLst>
+              <a:ext uri="{FF2B5EF4-FFF2-40B4-BE49-F238E27FC236}">
+                <a16:creationId xmlns:a16="http://schemas.microsoft.com/office/drawing/2014/main" id="{E92B9873-9AFD-8A91-EED8-8F67E5004CDD}"/>
               </a:ext>
             </a:extLst>
           </p:cNvPr>
           <p:cNvPicPr>
             <a:picLocks noChangeAspect="1"/>
           </p:cNvPicPr>
-          <p:nvPr/>
+          <p:nvPr>
+            <p:custDataLst>
+              <p:tags r:id="rId3"/>
+            </p:custDataLst>
+          </p:nvPr>
         </p:nvPicPr>
-        <p:blipFill rotWithShape="1">
-          <a:blip r:embed="rId5"/>
-          <a:srcRect t="9620" r="13638"/>
-          <a:stretch/>
+        <p:blipFill>
+          <a:blip r:embed="rId12"/>
+          <a:stretch>
+            <a:fillRect/>
+          </a:stretch>
         </p:blipFill>
         <p:spPr>
           <a:xfrm>
-            <a:off x="7065951" y="3502432"/>
-            <a:ext cx="3942401" cy="3209010"/>
+            <a:off x="8476049" y="4782406"/>
+            <a:ext cx="1371600" cy="304800"/>
           </a:xfrm>
           <a:prstGeom prst="rect">
             <a:avLst/>
           </a:prstGeom>
         </p:spPr>
       </p:pic>
-      <p:sp>
-        <p:nvSpPr>
-          <p:cNvPr id="12" name="TextBox 11">
-            <a:extLst>
-              <a:ext uri="{FF2B5EF4-FFF2-40B4-BE49-F238E27FC236}">
-                <a16:creationId xmlns:a16="http://schemas.microsoft.com/office/drawing/2014/main" id="{B20D4FE1-B287-3B42-8DF5-557C9E1CB594}"/>
-              </a:ext>
-            </a:extLst>
-          </p:cNvPr>
-          <p:cNvSpPr txBox="1"/>
-          <p:nvPr/>
-        </p:nvSpPr>
-        <p:spPr>
-          <a:xfrm>
-            <a:off x="71437" y="1418827"/>
-            <a:ext cx="1369799" cy="646331"/>
-          </a:xfrm>
-          <a:prstGeom prst="rect">
-            <a:avLst/>
-          </a:prstGeom>
-          <a:noFill/>
-        </p:spPr>
-        <p:txBody>
-          <a:bodyPr wrap="none" rtlCol="0">
-            <a:spAutoFit/>
-          </a:bodyPr>
-          <a:lstStyle/>
-          <a:p>
-            <a:r>
-              <a:rPr lang="en-US" dirty="0"/>
-              <a:t>KD(target) = </a:t>
-            </a:r>
-          </a:p>
-          <a:p>
-            <a:r>
-              <a:rPr lang="en-US" dirty="0"/>
-              <a:t>1nM</a:t>
-            </a:r>
-          </a:p>
-        </p:txBody>
-      </p:sp>
-      <p:sp>
-        <p:nvSpPr>
-          <p:cNvPr id="13" name="TextBox 12">
-            <a:extLst>
-              <a:ext uri="{FF2B5EF4-FFF2-40B4-BE49-F238E27FC236}">
-                <a16:creationId xmlns:a16="http://schemas.microsoft.com/office/drawing/2014/main" id="{6D36ACCF-25B0-5654-6D2F-D60DC3AA09D5}"/>
-              </a:ext>
-            </a:extLst>
-          </p:cNvPr>
-          <p:cNvSpPr txBox="1"/>
-          <p:nvPr/>
-        </p:nvSpPr>
-        <p:spPr>
-          <a:xfrm>
-            <a:off x="71437" y="4469677"/>
-            <a:ext cx="1264000" cy="646331"/>
-          </a:xfrm>
-          <a:prstGeom prst="rect">
-            <a:avLst/>
-          </a:prstGeom>
-          <a:noFill/>
-        </p:spPr>
-        <p:txBody>
-          <a:bodyPr wrap="none" rtlCol="0">
-            <a:spAutoFit/>
-          </a:bodyPr>
-          <a:lstStyle/>
-          <a:p>
-            <a:r>
-              <a:rPr lang="en-US" dirty="0"/>
-              <a:t>KD(target)=</a:t>
-            </a:r>
-          </a:p>
-          <a:p>
-            <a:r>
-              <a:rPr lang="en-US" dirty="0"/>
-              <a:t>100nM</a:t>
-            </a:r>
-          </a:p>
-        </p:txBody>
-      </p:sp>
-      <p:sp>
-        <p:nvSpPr>
-          <p:cNvPr id="14" name="TextBox 13">
-            <a:extLst>
-              <a:ext uri="{FF2B5EF4-FFF2-40B4-BE49-F238E27FC236}">
-                <a16:creationId xmlns:a16="http://schemas.microsoft.com/office/drawing/2014/main" id="{678D3F1D-23FF-B508-751E-37BACDE8CEF6}"/>
-              </a:ext>
-            </a:extLst>
-          </p:cNvPr>
-          <p:cNvSpPr txBox="1"/>
-          <p:nvPr/>
-        </p:nvSpPr>
-        <p:spPr>
-          <a:xfrm>
-            <a:off x="2552328" y="466344"/>
-            <a:ext cx="1946238" cy="369332"/>
-          </a:xfrm>
-          <a:prstGeom prst="rect">
-            <a:avLst/>
-          </a:prstGeom>
-          <a:noFill/>
-        </p:spPr>
-        <p:txBody>
-          <a:bodyPr wrap="none" rtlCol="0">
-            <a:spAutoFit/>
-          </a:bodyPr>
-          <a:lstStyle/>
-          <a:p>
-            <a:r>
-              <a:rPr lang="en-US" dirty="0" err="1"/>
-              <a:t>Rtot_target</a:t>
-            </a:r>
-            <a:r>
-              <a:rPr lang="en-US" dirty="0"/>
-              <a:t> =10^3 </a:t>
-            </a:r>
-          </a:p>
-        </p:txBody>
-      </p:sp>
-      <p:sp>
-        <p:nvSpPr>
-          <p:cNvPr id="15" name="TextBox 14">
-            <a:extLst>
-              <a:ext uri="{FF2B5EF4-FFF2-40B4-BE49-F238E27FC236}">
-                <a16:creationId xmlns:a16="http://schemas.microsoft.com/office/drawing/2014/main" id="{A4C9F065-F40E-56FC-7198-41DD88261C81}"/>
-              </a:ext>
-            </a:extLst>
-          </p:cNvPr>
-          <p:cNvSpPr txBox="1"/>
-          <p:nvPr/>
-        </p:nvSpPr>
-        <p:spPr>
-          <a:xfrm>
-            <a:off x="7761360" y="281678"/>
-            <a:ext cx="1946238" cy="369332"/>
-          </a:xfrm>
-          <a:prstGeom prst="rect">
-            <a:avLst/>
-          </a:prstGeom>
-          <a:noFill/>
-        </p:spPr>
-        <p:txBody>
-          <a:bodyPr wrap="none" rtlCol="0">
-            <a:spAutoFit/>
-          </a:bodyPr>
-          <a:lstStyle/>
-          <a:p>
-            <a:r>
-              <a:rPr lang="en-US" dirty="0" err="1">
-                <a:solidFill>
-                  <a:schemeClr val="bg1"/>
-                </a:solidFill>
-              </a:rPr>
-              <a:t>Rtot_target</a:t>
-            </a:r>
-            <a:r>
-              <a:rPr lang="en-US" dirty="0">
-                <a:solidFill>
-                  <a:schemeClr val="bg1"/>
-                </a:solidFill>
-              </a:rPr>
-              <a:t> =10^5 </a:t>
-            </a:r>
-          </a:p>
-        </p:txBody>
-      </p:sp>
-      <p:sp>
-        <p:nvSpPr>
-          <p:cNvPr id="16" name="TextBox 15">
-            <a:extLst>
-              <a:ext uri="{FF2B5EF4-FFF2-40B4-BE49-F238E27FC236}">
-                <a16:creationId xmlns:a16="http://schemas.microsoft.com/office/drawing/2014/main" id="{B26B25FF-5818-7BD5-F919-1EFA2916B1BC}"/>
-              </a:ext>
-            </a:extLst>
-          </p:cNvPr>
-          <p:cNvSpPr txBox="1"/>
-          <p:nvPr/>
-        </p:nvSpPr>
-        <p:spPr>
-          <a:xfrm>
-            <a:off x="79697" y="189345"/>
-            <a:ext cx="1879600" cy="923330"/>
-          </a:xfrm>
-          <a:prstGeom prst="rect">
-            <a:avLst/>
-          </a:prstGeom>
-          <a:noFill/>
-        </p:spPr>
-        <p:txBody>
-          <a:bodyPr wrap="square" rtlCol="0">
-            <a:spAutoFit/>
-          </a:bodyPr>
-          <a:lstStyle/>
-          <a:p>
-            <a:r>
-              <a:rPr lang="en-US" dirty="0"/>
-              <a:t>Receptor Occupancy EC50 plots</a:t>
-            </a:r>
-          </a:p>
-        </p:txBody>
-      </p:sp>
-      <p:sp>
-        <p:nvSpPr>
-          <p:cNvPr id="17" name="TextBox 16">
-            <a:extLst>
-              <a:ext uri="{FF2B5EF4-FFF2-40B4-BE49-F238E27FC236}">
-                <a16:creationId xmlns:a16="http://schemas.microsoft.com/office/drawing/2014/main" id="{4973CB16-042C-2F7E-C560-9AD466A1D4EC}"/>
-              </a:ext>
-            </a:extLst>
-          </p:cNvPr>
-          <p:cNvSpPr txBox="1"/>
-          <p:nvPr/>
-        </p:nvSpPr>
-        <p:spPr>
-          <a:xfrm>
-            <a:off x="-30631" y="6007608"/>
-            <a:ext cx="1887055" cy="338554"/>
-          </a:xfrm>
-          <a:prstGeom prst="rect">
-            <a:avLst/>
-          </a:prstGeom>
-          <a:noFill/>
-        </p:spPr>
-        <p:txBody>
-          <a:bodyPr wrap="none" rtlCol="0">
-            <a:spAutoFit/>
-          </a:bodyPr>
-          <a:lstStyle/>
-          <a:p>
-            <a:r>
-              <a:rPr lang="en-US" sz="1600" dirty="0"/>
-              <a:t>D=10^-14 (m^2s^-1)</a:t>
-            </a:r>
-          </a:p>
-        </p:txBody>
-      </p:sp>
+      <p:pic>
+        <p:nvPicPr>
+          <p:cNvPr id="20" name="Picture 19" descr="\documentclass{article}&#10;\usepackage{amsmath}&#10;\pagestyle{empty}&#10;\begin{document}&#10;&#10;&#10;$$ r_{anchor} = 10^6 $$&#10;&#10;\end{document}" title="IguanaTex Bitmap Display">
+            <a:extLst>
+              <a:ext uri="{FF2B5EF4-FFF2-40B4-BE49-F238E27FC236}">
+                <a16:creationId xmlns:a16="http://schemas.microsoft.com/office/drawing/2014/main" id="{6768044F-C41A-20CF-5756-35B3C147EDE4}"/>
+              </a:ext>
+            </a:extLst>
+          </p:cNvPr>
+          <p:cNvPicPr>
+            <a:picLocks noChangeAspect="1"/>
+          </p:cNvPicPr>
+          <p:nvPr>
+            <p:custDataLst>
+              <p:tags r:id="rId4"/>
+            </p:custDataLst>
+          </p:nvPr>
+        </p:nvPicPr>
+        <p:blipFill>
+          <a:blip r:embed="rId13"/>
+          <a:stretch>
+            <a:fillRect/>
+          </a:stretch>
+        </p:blipFill>
+        <p:spPr>
+          <a:xfrm>
+            <a:off x="8476049" y="5073647"/>
+            <a:ext cx="1447800" cy="279400"/>
+          </a:xfrm>
+          <a:prstGeom prst="rect">
+            <a:avLst/>
+          </a:prstGeom>
+        </p:spPr>
+      </p:pic>
+      <p:pic>
+        <p:nvPicPr>
+          <p:cNvPr id="22" name="Picture 21" descr="\documentclass{article}&#10;\usepackage{amsmath}&#10;\pagestyle{empty}&#10;\begin{document}&#10;&#10;&#10;$$ r_{target} = r_{nontarget} $$&#10;&#10;\end{document}" title="IguanaTex Bitmap Display">
+            <a:extLst>
+              <a:ext uri="{FF2B5EF4-FFF2-40B4-BE49-F238E27FC236}">
+                <a16:creationId xmlns:a16="http://schemas.microsoft.com/office/drawing/2014/main" id="{2FBF2EA5-C025-0A06-C64C-B8803CFC432E}"/>
+              </a:ext>
+            </a:extLst>
+          </p:cNvPr>
+          <p:cNvPicPr>
+            <a:picLocks noChangeAspect="1"/>
+          </p:cNvPicPr>
+          <p:nvPr>
+            <p:custDataLst>
+              <p:tags r:id="rId5"/>
+            </p:custDataLst>
+          </p:nvPr>
+        </p:nvPicPr>
+        <p:blipFill>
+          <a:blip r:embed="rId14"/>
+          <a:stretch>
+            <a:fillRect/>
+          </a:stretch>
+        </p:blipFill>
+        <p:spPr>
+          <a:xfrm>
+            <a:off x="4646141" y="6256291"/>
+            <a:ext cx="2057400" cy="203200"/>
+          </a:xfrm>
+          <a:prstGeom prst="rect">
+            <a:avLst/>
+          </a:prstGeom>
+        </p:spPr>
+      </p:pic>
+      <p:pic>
+        <p:nvPicPr>
+          <p:cNvPr id="24" name="Picture 23" descr="\documentclass{article}&#10;\usepackage{amsmath}&#10;\pagestyle{empty}&#10;\begin{document}&#10;&#10;&#10;Target cell number = Non-target cell number&#10;&#10;\end{document}" title="IguanaTex Bitmap Display">
+            <a:extLst>
+              <a:ext uri="{FF2B5EF4-FFF2-40B4-BE49-F238E27FC236}">
+                <a16:creationId xmlns:a16="http://schemas.microsoft.com/office/drawing/2014/main" id="{AA0E303E-217D-CBD8-8AFC-F525113B4305}"/>
+              </a:ext>
+            </a:extLst>
+          </p:cNvPr>
+          <p:cNvPicPr>
+            <a:picLocks noChangeAspect="1"/>
+          </p:cNvPicPr>
+          <p:nvPr>
+            <p:custDataLst>
+              <p:tags r:id="rId6"/>
+            </p:custDataLst>
+          </p:nvPr>
+        </p:nvPicPr>
+        <p:blipFill>
+          <a:blip r:embed="rId15"/>
+          <a:stretch>
+            <a:fillRect/>
+          </a:stretch>
+        </p:blipFill>
+        <p:spPr>
+          <a:xfrm>
+            <a:off x="3206237" y="6547882"/>
+            <a:ext cx="5029200" cy="228600"/>
+          </a:xfrm>
+          <a:prstGeom prst="rect">
+            <a:avLst/>
+          </a:prstGeom>
+        </p:spPr>
+      </p:pic>
     </p:spTree>
     <p:extLst>
       <p:ext uri="{BB962C8B-B14F-4D97-AF65-F5344CB8AC3E}">
-        <p14:creationId xmlns:p14="http://schemas.microsoft.com/office/powerpoint/2010/main" val="4195705440"/>
+        <p14:creationId xmlns:p14="http://schemas.microsoft.com/office/powerpoint/2010/main" val="2107923802"/>
       </p:ext>
     </p:extLst>
   </p:cSld>
@@ -4451,10 +4828,10 @@
       </p:grpSpPr>
       <p:pic>
         <p:nvPicPr>
-          <p:cNvPr id="5" name="Picture 4" descr="A graph of a number&#10;&#10;Description automatically generated with medium confidence">
-            <a:extLst>
-              <a:ext uri="{FF2B5EF4-FFF2-40B4-BE49-F238E27FC236}">
-                <a16:creationId xmlns:a16="http://schemas.microsoft.com/office/drawing/2014/main" id="{93018A9E-6269-A474-97D3-B07B506FFEE5}"/>
+          <p:cNvPr id="6" name="Picture 5">
+            <a:extLst>
+              <a:ext uri="{FF2B5EF4-FFF2-40B4-BE49-F238E27FC236}">
+                <a16:creationId xmlns:a16="http://schemas.microsoft.com/office/drawing/2014/main" id="{8D85C982-50F5-55C4-E184-277427DB6917}"/>
               </a:ext>
             </a:extLst>
           </p:cNvPr>
@@ -4463,15 +4840,16 @@
           </p:cNvPicPr>
           <p:nvPr/>
         </p:nvPicPr>
-        <p:blipFill rotWithShape="1">
-          <a:blip r:embed="rId2"/>
-          <a:srcRect t="8773" r="13229"/>
-          <a:stretch/>
+        <p:blipFill>
+          <a:blip r:embed="rId5"/>
+          <a:stretch>
+            <a:fillRect/>
+          </a:stretch>
         </p:blipFill>
         <p:spPr>
           <a:xfrm>
-            <a:off x="1483069" y="146305"/>
-            <a:ext cx="3921035" cy="3206330"/>
+            <a:off x="0" y="443803"/>
+            <a:ext cx="4210772" cy="3720118"/>
           </a:xfrm>
           <a:prstGeom prst="rect">
             <a:avLst/>
@@ -4480,10 +4858,934 @@
       </p:pic>
       <p:pic>
         <p:nvPicPr>
-          <p:cNvPr id="7" name="Picture 6" descr="A chart with a gradient of purple and orange&#10;&#10;Description automatically generated with medium confidence">
-            <a:extLst>
-              <a:ext uri="{FF2B5EF4-FFF2-40B4-BE49-F238E27FC236}">
-                <a16:creationId xmlns:a16="http://schemas.microsoft.com/office/drawing/2014/main" id="{0DD5F3C1-B765-A093-3C8C-8BFBDAD7079D}"/>
+          <p:cNvPr id="8" name="Picture 7">
+            <a:extLst>
+              <a:ext uri="{FF2B5EF4-FFF2-40B4-BE49-F238E27FC236}">
+                <a16:creationId xmlns:a16="http://schemas.microsoft.com/office/drawing/2014/main" id="{72EB374E-1CE4-E3D4-9BFC-BA3AA07AA5F1}"/>
+              </a:ext>
+            </a:extLst>
+          </p:cNvPr>
+          <p:cNvPicPr>
+            <a:picLocks noChangeAspect="1"/>
+          </p:cNvPicPr>
+          <p:nvPr/>
+        </p:nvPicPr>
+        <p:blipFill>
+          <a:blip r:embed="rId6"/>
+          <a:stretch>
+            <a:fillRect/>
+          </a:stretch>
+        </p:blipFill>
+        <p:spPr>
+          <a:xfrm>
+            <a:off x="4210771" y="492929"/>
+            <a:ext cx="4099560" cy="3621865"/>
+          </a:xfrm>
+          <a:prstGeom prst="rect">
+            <a:avLst/>
+          </a:prstGeom>
+        </p:spPr>
+      </p:pic>
+      <p:pic>
+        <p:nvPicPr>
+          <p:cNvPr id="9" name="Picture 8">
+            <a:extLst>
+              <a:ext uri="{FF2B5EF4-FFF2-40B4-BE49-F238E27FC236}">
+                <a16:creationId xmlns:a16="http://schemas.microsoft.com/office/drawing/2014/main" id="{FD2F75FD-493F-AC01-EAEF-7AB41F52F0B6}"/>
+              </a:ext>
+            </a:extLst>
+          </p:cNvPr>
+          <p:cNvPicPr>
+            <a:picLocks noChangeAspect="1"/>
+          </p:cNvPicPr>
+          <p:nvPr/>
+        </p:nvPicPr>
+        <p:blipFill>
+          <a:blip r:embed="rId7"/>
+          <a:stretch>
+            <a:fillRect/>
+          </a:stretch>
+        </p:blipFill>
+        <p:spPr>
+          <a:xfrm>
+            <a:off x="7981230" y="492857"/>
+            <a:ext cx="4210773" cy="3720119"/>
+          </a:xfrm>
+          <a:prstGeom prst="rect">
+            <a:avLst/>
+          </a:prstGeom>
+        </p:spPr>
+      </p:pic>
+      <p:pic>
+        <p:nvPicPr>
+          <p:cNvPr id="10" name="Picture 9">
+            <a:extLst>
+              <a:ext uri="{FF2B5EF4-FFF2-40B4-BE49-F238E27FC236}">
+                <a16:creationId xmlns:a16="http://schemas.microsoft.com/office/drawing/2014/main" id="{41835B82-1C43-E4C9-B0F5-4E13D0F2E961}"/>
+              </a:ext>
+            </a:extLst>
+          </p:cNvPr>
+          <p:cNvPicPr>
+            <a:picLocks noChangeAspect="1"/>
+          </p:cNvPicPr>
+          <p:nvPr/>
+        </p:nvPicPr>
+        <p:blipFill>
+          <a:blip r:embed="rId8"/>
+          <a:stretch>
+            <a:fillRect/>
+          </a:stretch>
+        </p:blipFill>
+        <p:spPr>
+          <a:xfrm>
+            <a:off x="3263900" y="4262032"/>
+            <a:ext cx="5664200" cy="2595968"/>
+          </a:xfrm>
+          <a:prstGeom prst="rect">
+            <a:avLst/>
+          </a:prstGeom>
+        </p:spPr>
+      </p:pic>
+      <p:pic>
+        <p:nvPicPr>
+          <p:cNvPr id="12" name="Picture 11" descr="\documentclass{article}&#10;\usepackage{amsmath}&#10;\pagestyle{empty}&#10;\begin{document}&#10;&#10;&#10;$$ A_{init} = 10^{-11} $$&#10;&#10;\end{document}" title="IguanaTex Bitmap Display">
+            <a:extLst>
+              <a:ext uri="{FF2B5EF4-FFF2-40B4-BE49-F238E27FC236}">
+                <a16:creationId xmlns:a16="http://schemas.microsoft.com/office/drawing/2014/main" id="{69A8E78E-9DCC-DB4A-F76A-27829F4A0693}"/>
+              </a:ext>
+            </a:extLst>
+          </p:cNvPr>
+          <p:cNvPicPr>
+            <a:picLocks noChangeAspect="1"/>
+          </p:cNvPicPr>
+          <p:nvPr>
+            <p:custDataLst>
+              <p:tags r:id="rId1"/>
+            </p:custDataLst>
+          </p:nvPr>
+        </p:nvPicPr>
+        <p:blipFill>
+          <a:blip r:embed="rId9"/>
+          <a:stretch>
+            <a:fillRect/>
+          </a:stretch>
+        </p:blipFill>
+        <p:spPr>
+          <a:xfrm>
+            <a:off x="1368786" y="164403"/>
+            <a:ext cx="1473200" cy="279400"/>
+          </a:xfrm>
+          <a:prstGeom prst="rect">
+            <a:avLst/>
+          </a:prstGeom>
+        </p:spPr>
+      </p:pic>
+      <p:pic>
+        <p:nvPicPr>
+          <p:cNvPr id="18" name="Picture 17" descr="\documentclass{article}&#10;\usepackage{amsmath}&#10;\pagestyle{empty}&#10;\begin{document}&#10;&#10;&#10;$$ A_{init} = 10^{-8} $$&#10;&#10;\end{document}" title="IguanaTex Bitmap Display">
+            <a:extLst>
+              <a:ext uri="{FF2B5EF4-FFF2-40B4-BE49-F238E27FC236}">
+                <a16:creationId xmlns:a16="http://schemas.microsoft.com/office/drawing/2014/main" id="{90041D2D-4850-6E5D-2A16-4222F16BB0B7}"/>
+              </a:ext>
+            </a:extLst>
+          </p:cNvPr>
+          <p:cNvPicPr>
+            <a:picLocks noChangeAspect="1"/>
+          </p:cNvPicPr>
+          <p:nvPr>
+            <p:custDataLst>
+              <p:tags r:id="rId2"/>
+            </p:custDataLst>
+          </p:nvPr>
+        </p:nvPicPr>
+        <p:blipFill>
+          <a:blip r:embed="rId10"/>
+          <a:stretch>
+            <a:fillRect/>
+          </a:stretch>
+        </p:blipFill>
+        <p:spPr>
+          <a:xfrm>
+            <a:off x="5579558" y="162989"/>
+            <a:ext cx="1397000" cy="279400"/>
+          </a:xfrm>
+          <a:prstGeom prst="rect">
+            <a:avLst/>
+          </a:prstGeom>
+        </p:spPr>
+      </p:pic>
+      <p:pic>
+        <p:nvPicPr>
+          <p:cNvPr id="20" name="Picture 19" descr="\documentclass{article}&#10;\usepackage{amsmath}&#10;\pagestyle{empty}&#10;\begin{document}&#10;&#10;&#10;$$ A_{init} = 10^{-5} $$&#10;&#10;\end{document}" title="IguanaTex Bitmap Display">
+            <a:extLst>
+              <a:ext uri="{FF2B5EF4-FFF2-40B4-BE49-F238E27FC236}">
+                <a16:creationId xmlns:a16="http://schemas.microsoft.com/office/drawing/2014/main" id="{96E3D4DC-5629-2950-93E3-F9562F4A4F2D}"/>
+              </a:ext>
+            </a:extLst>
+          </p:cNvPr>
+          <p:cNvPicPr>
+            <a:picLocks noChangeAspect="1"/>
+          </p:cNvPicPr>
+          <p:nvPr>
+            <p:custDataLst>
+              <p:tags r:id="rId3"/>
+            </p:custDataLst>
+          </p:nvPr>
+        </p:nvPicPr>
+        <p:blipFill>
+          <a:blip r:embed="rId11"/>
+          <a:stretch>
+            <a:fillRect/>
+          </a:stretch>
+        </p:blipFill>
+        <p:spPr>
+          <a:xfrm>
+            <a:off x="9350016" y="148178"/>
+            <a:ext cx="1397000" cy="279400"/>
+          </a:xfrm>
+          <a:prstGeom prst="rect">
+            <a:avLst/>
+          </a:prstGeom>
+        </p:spPr>
+      </p:pic>
+    </p:spTree>
+    <p:extLst>
+      <p:ext uri="{BB962C8B-B14F-4D97-AF65-F5344CB8AC3E}">
+        <p14:creationId xmlns:p14="http://schemas.microsoft.com/office/powerpoint/2010/main" val="1484023556"/>
+      </p:ext>
+    </p:extLst>
+  </p:cSld>
+  <p:clrMapOvr>
+    <a:masterClrMapping/>
+  </p:clrMapOvr>
+</p:sld>
+</file>
+
+<file path=ppt/slides/slide7.xml><?xml version="1.0" encoding="utf-8"?>
+<p:sld xmlns:a="http://schemas.openxmlformats.org/drawingml/2006/main" xmlns:r="http://schemas.openxmlformats.org/officeDocument/2006/relationships" xmlns:p="http://schemas.openxmlformats.org/presentationml/2006/main">
+  <p:cSld>
+    <p:spTree>
+      <p:nvGrpSpPr>
+        <p:cNvPr id="1" name=""/>
+        <p:cNvGrpSpPr/>
+        <p:nvPr/>
+      </p:nvGrpSpPr>
+      <p:grpSpPr>
+        <a:xfrm>
+          <a:off x="0" y="0"/>
+          <a:ext cx="0" cy="0"/>
+          <a:chOff x="0" y="0"/>
+          <a:chExt cx="0" cy="0"/>
+        </a:xfrm>
+      </p:grpSpPr>
+      <p:pic>
+        <p:nvPicPr>
+          <p:cNvPr id="4" name="Picture 3">
+            <a:extLst>
+              <a:ext uri="{FF2B5EF4-FFF2-40B4-BE49-F238E27FC236}">
+                <a16:creationId xmlns:a16="http://schemas.microsoft.com/office/drawing/2014/main" id="{4CA3A08E-21A1-A3E8-0336-2921C8D9F665}"/>
+              </a:ext>
+            </a:extLst>
+          </p:cNvPr>
+          <p:cNvPicPr>
+            <a:picLocks noChangeAspect="1"/>
+          </p:cNvPicPr>
+          <p:nvPr/>
+        </p:nvPicPr>
+        <p:blipFill>
+          <a:blip r:embed="rId7"/>
+          <a:stretch>
+            <a:fillRect/>
+          </a:stretch>
+        </p:blipFill>
+        <p:spPr>
+          <a:xfrm>
+            <a:off x="8148273" y="315669"/>
+            <a:ext cx="4028116" cy="3558746"/>
+          </a:xfrm>
+          <a:prstGeom prst="rect">
+            <a:avLst/>
+          </a:prstGeom>
+        </p:spPr>
+      </p:pic>
+      <p:pic>
+        <p:nvPicPr>
+          <p:cNvPr id="5" name="Picture 4">
+            <a:extLst>
+              <a:ext uri="{FF2B5EF4-FFF2-40B4-BE49-F238E27FC236}">
+                <a16:creationId xmlns:a16="http://schemas.microsoft.com/office/drawing/2014/main" id="{EED3FCBF-A257-2088-1EF2-C64CCA468C26}"/>
+              </a:ext>
+            </a:extLst>
+          </p:cNvPr>
+          <p:cNvPicPr>
+            <a:picLocks noChangeAspect="1"/>
+          </p:cNvPicPr>
+          <p:nvPr/>
+        </p:nvPicPr>
+        <p:blipFill>
+          <a:blip r:embed="rId8"/>
+          <a:stretch>
+            <a:fillRect/>
+          </a:stretch>
+        </p:blipFill>
+        <p:spPr>
+          <a:xfrm>
+            <a:off x="4022863" y="279587"/>
+            <a:ext cx="4222703" cy="3730658"/>
+          </a:xfrm>
+          <a:prstGeom prst="rect">
+            <a:avLst/>
+          </a:prstGeom>
+        </p:spPr>
+      </p:pic>
+      <p:pic>
+        <p:nvPicPr>
+          <p:cNvPr id="6" name="Picture 5">
+            <a:extLst>
+              <a:ext uri="{FF2B5EF4-FFF2-40B4-BE49-F238E27FC236}">
+                <a16:creationId xmlns:a16="http://schemas.microsoft.com/office/drawing/2014/main" id="{C98AE769-C1CA-E985-DC26-EE21D4C09708}"/>
+              </a:ext>
+            </a:extLst>
+          </p:cNvPr>
+          <p:cNvPicPr>
+            <a:picLocks noChangeAspect="1"/>
+          </p:cNvPicPr>
+          <p:nvPr/>
+        </p:nvPicPr>
+        <p:blipFill>
+          <a:blip r:embed="rId9"/>
+          <a:stretch>
+            <a:fillRect/>
+          </a:stretch>
+        </p:blipFill>
+        <p:spPr>
+          <a:xfrm>
+            <a:off x="3550920" y="3910497"/>
+            <a:ext cx="4694646" cy="2811673"/>
+          </a:xfrm>
+          <a:prstGeom prst="rect">
+            <a:avLst/>
+          </a:prstGeom>
+        </p:spPr>
+      </p:pic>
+      <p:pic>
+        <p:nvPicPr>
+          <p:cNvPr id="7" name="Picture 6">
+            <a:extLst>
+              <a:ext uri="{FF2B5EF4-FFF2-40B4-BE49-F238E27FC236}">
+                <a16:creationId xmlns:a16="http://schemas.microsoft.com/office/drawing/2014/main" id="{55675151-6C5E-0B9A-B8DF-8A0C9B966F74}"/>
+              </a:ext>
+            </a:extLst>
+          </p:cNvPr>
+          <p:cNvPicPr>
+            <a:picLocks noChangeAspect="1"/>
+          </p:cNvPicPr>
+          <p:nvPr/>
+        </p:nvPicPr>
+        <p:blipFill>
+          <a:blip r:embed="rId10"/>
+          <a:stretch>
+            <a:fillRect/>
+          </a:stretch>
+        </p:blipFill>
+        <p:spPr>
+          <a:xfrm>
+            <a:off x="92041" y="315669"/>
+            <a:ext cx="4028116" cy="3558746"/>
+          </a:xfrm>
+          <a:prstGeom prst="rect">
+            <a:avLst/>
+          </a:prstGeom>
+        </p:spPr>
+      </p:pic>
+      <p:pic>
+        <p:nvPicPr>
+          <p:cNvPr id="8" name="Picture 7" descr="\documentclass{article}&#10;\usepackage{amsmath}&#10;\pagestyle{empty}&#10;\begin{document}&#10;&#10;&#10;$$ A_{init} = 10^{-11} $$&#10;&#10;\end{document}" title="IguanaTex Bitmap Display">
+            <a:extLst>
+              <a:ext uri="{FF2B5EF4-FFF2-40B4-BE49-F238E27FC236}">
+                <a16:creationId xmlns:a16="http://schemas.microsoft.com/office/drawing/2014/main" id="{A7BD77F1-D74E-EE85-6F90-D0FA63A50373}"/>
+              </a:ext>
+            </a:extLst>
+          </p:cNvPr>
+          <p:cNvPicPr>
+            <a:picLocks noChangeAspect="1"/>
+          </p:cNvPicPr>
+          <p:nvPr>
+            <p:custDataLst>
+              <p:tags r:id="rId1"/>
+            </p:custDataLst>
+          </p:nvPr>
+        </p:nvPicPr>
+        <p:blipFill>
+          <a:blip r:embed="rId11"/>
+          <a:stretch>
+            <a:fillRect/>
+          </a:stretch>
+        </p:blipFill>
+        <p:spPr>
+          <a:xfrm>
+            <a:off x="1517067" y="40139"/>
+            <a:ext cx="1473200" cy="279400"/>
+          </a:xfrm>
+          <a:prstGeom prst="rect">
+            <a:avLst/>
+          </a:prstGeom>
+        </p:spPr>
+      </p:pic>
+      <p:pic>
+        <p:nvPicPr>
+          <p:cNvPr id="9" name="Picture 8" descr="\documentclass{article}&#10;\usepackage{amsmath}&#10;\pagestyle{empty}&#10;\begin{document}&#10;&#10;&#10;$$ A_{init} = 10^{-8} $$&#10;&#10;\end{document}" title="IguanaTex Bitmap Display">
+            <a:extLst>
+              <a:ext uri="{FF2B5EF4-FFF2-40B4-BE49-F238E27FC236}">
+                <a16:creationId xmlns:a16="http://schemas.microsoft.com/office/drawing/2014/main" id="{7F6DC3F9-F317-C7E0-F8CD-F8506E5C513D}"/>
+              </a:ext>
+            </a:extLst>
+          </p:cNvPr>
+          <p:cNvPicPr>
+            <a:picLocks noChangeAspect="1"/>
+          </p:cNvPicPr>
+          <p:nvPr>
+            <p:custDataLst>
+              <p:tags r:id="rId2"/>
+            </p:custDataLst>
+          </p:nvPr>
+        </p:nvPicPr>
+        <p:blipFill>
+          <a:blip r:embed="rId12"/>
+          <a:stretch>
+            <a:fillRect/>
+          </a:stretch>
+        </p:blipFill>
+        <p:spPr>
+          <a:xfrm>
+            <a:off x="5435714" y="32639"/>
+            <a:ext cx="1397000" cy="279400"/>
+          </a:xfrm>
+          <a:prstGeom prst="rect">
+            <a:avLst/>
+          </a:prstGeom>
+        </p:spPr>
+      </p:pic>
+      <p:pic>
+        <p:nvPicPr>
+          <p:cNvPr id="10" name="Picture 9" descr="\documentclass{article}&#10;\usepackage{amsmath}&#10;\pagestyle{empty}&#10;\begin{document}&#10;&#10;&#10;$$ A_{init} = 10^{-5} $$&#10;&#10;\end{document}" title="IguanaTex Bitmap Display">
+            <a:extLst>
+              <a:ext uri="{FF2B5EF4-FFF2-40B4-BE49-F238E27FC236}">
+                <a16:creationId xmlns:a16="http://schemas.microsoft.com/office/drawing/2014/main" id="{2D1BAEF2-31E9-0F12-94ED-E7F47FDA75BB}"/>
+              </a:ext>
+            </a:extLst>
+          </p:cNvPr>
+          <p:cNvPicPr>
+            <a:picLocks noChangeAspect="1"/>
+          </p:cNvPicPr>
+          <p:nvPr>
+            <p:custDataLst>
+              <p:tags r:id="rId3"/>
+            </p:custDataLst>
+          </p:nvPr>
+        </p:nvPicPr>
+        <p:blipFill>
+          <a:blip r:embed="rId13"/>
+          <a:stretch>
+            <a:fillRect/>
+          </a:stretch>
+        </p:blipFill>
+        <p:spPr>
+          <a:xfrm>
+            <a:off x="9463830" y="43259"/>
+            <a:ext cx="1397000" cy="279400"/>
+          </a:xfrm>
+          <a:prstGeom prst="rect">
+            <a:avLst/>
+          </a:prstGeom>
+        </p:spPr>
+      </p:pic>
+      <p:pic>
+        <p:nvPicPr>
+          <p:cNvPr id="13" name="Picture 12" descr="\documentclass{article}&#10;\usepackage{amsmath}&#10;\pagestyle{empty}&#10;\begin{document}&#10;&#10;&#10;$$ KD_{target}= 10{-7} \text{ (M)} $$&#10;&#10;\end{document}" title="IguanaTex Bitmap Display">
+            <a:extLst>
+              <a:ext uri="{FF2B5EF4-FFF2-40B4-BE49-F238E27FC236}">
+                <a16:creationId xmlns:a16="http://schemas.microsoft.com/office/drawing/2014/main" id="{09964653-2E6D-2311-20B4-76A086B5A45C}"/>
+              </a:ext>
+            </a:extLst>
+          </p:cNvPr>
+          <p:cNvPicPr>
+            <a:picLocks noChangeAspect="1"/>
+          </p:cNvPicPr>
+          <p:nvPr>
+            <p:custDataLst>
+              <p:tags r:id="rId4"/>
+            </p:custDataLst>
+          </p:nvPr>
+        </p:nvPicPr>
+        <p:blipFill>
+          <a:blip r:embed="rId14"/>
+          <a:stretch>
+            <a:fillRect/>
+          </a:stretch>
+        </p:blipFill>
+        <p:spPr>
+          <a:xfrm>
+            <a:off x="8826843" y="4616804"/>
+            <a:ext cx="2413000" cy="279400"/>
+          </a:xfrm>
+          <a:prstGeom prst="rect">
+            <a:avLst/>
+          </a:prstGeom>
+        </p:spPr>
+      </p:pic>
+      <p:pic>
+        <p:nvPicPr>
+          <p:cNvPr id="16" name="Picture 15" descr="\documentclass{article}&#10;\usepackage{amsmath}&#10;\pagestyle{empty}&#10;\begin{document}&#10;&#10;&#10;$$ KD_{anchor} = 10{-9} \text{ (M)} $$&#10;&#10;\end{document}" title="IguanaTex Bitmap Display">
+            <a:extLst>
+              <a:ext uri="{FF2B5EF4-FFF2-40B4-BE49-F238E27FC236}">
+                <a16:creationId xmlns:a16="http://schemas.microsoft.com/office/drawing/2014/main" id="{02E29357-B102-00D8-3244-E18404BB1CFB}"/>
+              </a:ext>
+            </a:extLst>
+          </p:cNvPr>
+          <p:cNvPicPr>
+            <a:picLocks noChangeAspect="1"/>
+          </p:cNvPicPr>
+          <p:nvPr>
+            <p:custDataLst>
+              <p:tags r:id="rId5"/>
+            </p:custDataLst>
+          </p:nvPr>
+        </p:nvPicPr>
+        <p:blipFill>
+          <a:blip r:embed="rId15"/>
+          <a:stretch>
+            <a:fillRect/>
+          </a:stretch>
+        </p:blipFill>
+        <p:spPr>
+          <a:xfrm>
+            <a:off x="8826843" y="5189333"/>
+            <a:ext cx="2489200" cy="254000"/>
+          </a:xfrm>
+          <a:prstGeom prst="rect">
+            <a:avLst/>
+          </a:prstGeom>
+        </p:spPr>
+      </p:pic>
+    </p:spTree>
+    <p:extLst>
+      <p:ext uri="{BB962C8B-B14F-4D97-AF65-F5344CB8AC3E}">
+        <p14:creationId xmlns:p14="http://schemas.microsoft.com/office/powerpoint/2010/main" val="2882235318"/>
+      </p:ext>
+    </p:extLst>
+  </p:cSld>
+  <p:clrMapOvr>
+    <a:masterClrMapping/>
+  </p:clrMapOvr>
+</p:sld>
+</file>
+
+<file path=ppt/slides/slide8.xml><?xml version="1.0" encoding="utf-8"?>
+<p:sld xmlns:a="http://schemas.openxmlformats.org/drawingml/2006/main" xmlns:r="http://schemas.openxmlformats.org/officeDocument/2006/relationships" xmlns:p="http://schemas.openxmlformats.org/presentationml/2006/main">
+  <p:cSld>
+    <p:spTree>
+      <p:nvGrpSpPr>
+        <p:cNvPr id="1" name=""/>
+        <p:cNvGrpSpPr/>
+        <p:nvPr/>
+      </p:nvGrpSpPr>
+      <p:grpSpPr>
+        <a:xfrm>
+          <a:off x="0" y="0"/>
+          <a:ext cx="0" cy="0"/>
+          <a:chOff x="0" y="0"/>
+          <a:chExt cx="0" cy="0"/>
+        </a:xfrm>
+      </p:grpSpPr>
+      <p:pic>
+        <p:nvPicPr>
+          <p:cNvPr id="7" name="Picture 6">
+            <a:extLst>
+              <a:ext uri="{FF2B5EF4-FFF2-40B4-BE49-F238E27FC236}">
+                <a16:creationId xmlns:a16="http://schemas.microsoft.com/office/drawing/2014/main" id="{8157D399-CACD-BE2B-2122-576C6F8F2830}"/>
+              </a:ext>
+            </a:extLst>
+          </p:cNvPr>
+          <p:cNvPicPr>
+            <a:picLocks noChangeAspect="1"/>
+          </p:cNvPicPr>
+          <p:nvPr/>
+        </p:nvPicPr>
+        <p:blipFill>
+          <a:blip r:embed="rId8"/>
+          <a:stretch>
+            <a:fillRect/>
+          </a:stretch>
+        </p:blipFill>
+        <p:spPr>
+          <a:xfrm>
+            <a:off x="0" y="357269"/>
+            <a:ext cx="4053840" cy="3393857"/>
+          </a:xfrm>
+          <a:prstGeom prst="rect">
+            <a:avLst/>
+          </a:prstGeom>
+        </p:spPr>
+      </p:pic>
+      <p:pic>
+        <p:nvPicPr>
+          <p:cNvPr id="8" name="Picture 7">
+            <a:extLst>
+              <a:ext uri="{FF2B5EF4-FFF2-40B4-BE49-F238E27FC236}">
+                <a16:creationId xmlns:a16="http://schemas.microsoft.com/office/drawing/2014/main" id="{4339DFCD-C1FC-4E52-ACCF-FBF2C799A2D5}"/>
+              </a:ext>
+            </a:extLst>
+          </p:cNvPr>
+          <p:cNvPicPr>
+            <a:picLocks noChangeAspect="1"/>
+          </p:cNvPicPr>
+          <p:nvPr/>
+        </p:nvPicPr>
+        <p:blipFill>
+          <a:blip r:embed="rId9"/>
+          <a:stretch>
+            <a:fillRect/>
+          </a:stretch>
+        </p:blipFill>
+        <p:spPr>
+          <a:xfrm>
+            <a:off x="3398520" y="3429000"/>
+            <a:ext cx="4968240" cy="3104427"/>
+          </a:xfrm>
+          <a:prstGeom prst="rect">
+            <a:avLst/>
+          </a:prstGeom>
+        </p:spPr>
+      </p:pic>
+      <p:pic>
+        <p:nvPicPr>
+          <p:cNvPr id="9" name="Picture 8">
+            <a:extLst>
+              <a:ext uri="{FF2B5EF4-FFF2-40B4-BE49-F238E27FC236}">
+                <a16:creationId xmlns:a16="http://schemas.microsoft.com/office/drawing/2014/main" id="{E68CAF84-EA93-8858-0C39-2D6EDF508CE5}"/>
+              </a:ext>
+            </a:extLst>
+          </p:cNvPr>
+          <p:cNvPicPr>
+            <a:picLocks noChangeAspect="1"/>
+          </p:cNvPicPr>
+          <p:nvPr/>
+        </p:nvPicPr>
+        <p:blipFill>
+          <a:blip r:embed="rId10"/>
+          <a:stretch>
+            <a:fillRect/>
+          </a:stretch>
+        </p:blipFill>
+        <p:spPr>
+          <a:xfrm>
+            <a:off x="4158255" y="357269"/>
+            <a:ext cx="3875490" cy="3385106"/>
+          </a:xfrm>
+          <a:prstGeom prst="rect">
+            <a:avLst/>
+          </a:prstGeom>
+        </p:spPr>
+      </p:pic>
+      <p:pic>
+        <p:nvPicPr>
+          <p:cNvPr id="10" name="Picture 9">
+            <a:extLst>
+              <a:ext uri="{FF2B5EF4-FFF2-40B4-BE49-F238E27FC236}">
+                <a16:creationId xmlns:a16="http://schemas.microsoft.com/office/drawing/2014/main" id="{4F9D6B57-A3DD-8D8E-C743-125DC2D141DD}"/>
+              </a:ext>
+            </a:extLst>
+          </p:cNvPr>
+          <p:cNvPicPr>
+            <a:picLocks noChangeAspect="1"/>
+          </p:cNvPicPr>
+          <p:nvPr/>
+        </p:nvPicPr>
+        <p:blipFill>
+          <a:blip r:embed="rId11"/>
+          <a:stretch>
+            <a:fillRect/>
+          </a:stretch>
+        </p:blipFill>
+        <p:spPr>
+          <a:xfrm>
+            <a:off x="8138160" y="357269"/>
+            <a:ext cx="3760985" cy="3285091"/>
+          </a:xfrm>
+          <a:prstGeom prst="rect">
+            <a:avLst/>
+          </a:prstGeom>
+        </p:spPr>
+      </p:pic>
+      <p:pic>
+        <p:nvPicPr>
+          <p:cNvPr id="11" name="Picture 10" descr="\documentclass{article}&#10;\usepackage{amsmath}&#10;\pagestyle{empty}&#10;\begin{document}&#10;&#10;&#10;$$ A_{init} = 10^{-11} $$&#10;&#10;\end{document}" title="IguanaTex Bitmap Display">
+            <a:extLst>
+              <a:ext uri="{FF2B5EF4-FFF2-40B4-BE49-F238E27FC236}">
+                <a16:creationId xmlns:a16="http://schemas.microsoft.com/office/drawing/2014/main" id="{B96E1A1F-86DB-FC07-DE1E-18AE491BE86B}"/>
+              </a:ext>
+            </a:extLst>
+          </p:cNvPr>
+          <p:cNvPicPr>
+            <a:picLocks noChangeAspect="1"/>
+          </p:cNvPicPr>
+          <p:nvPr>
+            <p:custDataLst>
+              <p:tags r:id="rId1"/>
+            </p:custDataLst>
+          </p:nvPr>
+        </p:nvPicPr>
+        <p:blipFill>
+          <a:blip r:embed="rId12"/>
+          <a:stretch>
+            <a:fillRect/>
+          </a:stretch>
+        </p:blipFill>
+        <p:spPr>
+          <a:xfrm>
+            <a:off x="1368786" y="164403"/>
+            <a:ext cx="1473200" cy="279400"/>
+          </a:xfrm>
+          <a:prstGeom prst="rect">
+            <a:avLst/>
+          </a:prstGeom>
+        </p:spPr>
+      </p:pic>
+      <p:pic>
+        <p:nvPicPr>
+          <p:cNvPr id="12" name="Picture 11" descr="\documentclass{article}&#10;\usepackage{amsmath}&#10;\pagestyle{empty}&#10;\begin{document}&#10;&#10;&#10;$$ A_{init} = 10^{-8} $$&#10;&#10;\end{document}" title="IguanaTex Bitmap Display">
+            <a:extLst>
+              <a:ext uri="{FF2B5EF4-FFF2-40B4-BE49-F238E27FC236}">
+                <a16:creationId xmlns:a16="http://schemas.microsoft.com/office/drawing/2014/main" id="{D65C8E2D-FC97-03A7-9077-BF2C9004284E}"/>
+              </a:ext>
+            </a:extLst>
+          </p:cNvPr>
+          <p:cNvPicPr>
+            <a:picLocks noChangeAspect="1"/>
+          </p:cNvPicPr>
+          <p:nvPr>
+            <p:custDataLst>
+              <p:tags r:id="rId2"/>
+            </p:custDataLst>
+          </p:nvPr>
+        </p:nvPicPr>
+        <p:blipFill>
+          <a:blip r:embed="rId13"/>
+          <a:stretch>
+            <a:fillRect/>
+          </a:stretch>
+        </p:blipFill>
+        <p:spPr>
+          <a:xfrm>
+            <a:off x="5579558" y="162989"/>
+            <a:ext cx="1397000" cy="279400"/>
+          </a:xfrm>
+          <a:prstGeom prst="rect">
+            <a:avLst/>
+          </a:prstGeom>
+        </p:spPr>
+      </p:pic>
+      <p:pic>
+        <p:nvPicPr>
+          <p:cNvPr id="13" name="Picture 12" descr="\documentclass{article}&#10;\usepackage{amsmath}&#10;\pagestyle{empty}&#10;\begin{document}&#10;&#10;&#10;$$ A_{init} = 10^{-5} $$&#10;&#10;\end{document}" title="IguanaTex Bitmap Display">
+            <a:extLst>
+              <a:ext uri="{FF2B5EF4-FFF2-40B4-BE49-F238E27FC236}">
+                <a16:creationId xmlns:a16="http://schemas.microsoft.com/office/drawing/2014/main" id="{C1F29F1D-E954-91AC-71CB-352C836FA911}"/>
+              </a:ext>
+            </a:extLst>
+          </p:cNvPr>
+          <p:cNvPicPr>
+            <a:picLocks noChangeAspect="1"/>
+          </p:cNvPicPr>
+          <p:nvPr>
+            <p:custDataLst>
+              <p:tags r:id="rId3"/>
+            </p:custDataLst>
+          </p:nvPr>
+        </p:nvPicPr>
+        <p:blipFill>
+          <a:blip r:embed="rId14"/>
+          <a:stretch>
+            <a:fillRect/>
+          </a:stretch>
+        </p:blipFill>
+        <p:spPr>
+          <a:xfrm>
+            <a:off x="9350016" y="148178"/>
+            <a:ext cx="1397000" cy="279400"/>
+          </a:xfrm>
+          <a:prstGeom prst="rect">
+            <a:avLst/>
+          </a:prstGeom>
+        </p:spPr>
+      </p:pic>
+      <p:pic>
+        <p:nvPicPr>
+          <p:cNvPr id="16" name="Picture 15" descr="\documentclass{article}&#10;\usepackage{amsmath}&#10;\pagestyle{empty}&#10;\begin{document}&#10;&#10;&#10;Non-target cell number = $100 \times $Target cell number &#10;&#10;\end{document}" title="IguanaTex Bitmap Display">
+            <a:extLst>
+              <a:ext uri="{FF2B5EF4-FFF2-40B4-BE49-F238E27FC236}">
+                <a16:creationId xmlns:a16="http://schemas.microsoft.com/office/drawing/2014/main" id="{2D81E6BF-1B36-DA44-930B-464056E9D527}"/>
+              </a:ext>
+            </a:extLst>
+          </p:cNvPr>
+          <p:cNvPicPr>
+            <a:picLocks noChangeAspect="1"/>
+          </p:cNvPicPr>
+          <p:nvPr>
+            <p:custDataLst>
+              <p:tags r:id="rId4"/>
+            </p:custDataLst>
+          </p:nvPr>
+        </p:nvPicPr>
+        <p:blipFill>
+          <a:blip r:embed="rId15"/>
+          <a:stretch>
+            <a:fillRect/>
+          </a:stretch>
+        </p:blipFill>
+        <p:spPr>
+          <a:xfrm>
+            <a:off x="2721293" y="6558731"/>
+            <a:ext cx="6749413" cy="274863"/>
+          </a:xfrm>
+          <a:prstGeom prst="rect">
+            <a:avLst/>
+          </a:prstGeom>
+        </p:spPr>
+      </p:pic>
+      <p:pic>
+        <p:nvPicPr>
+          <p:cNvPr id="17" name="Picture 16" descr="\documentclass{article}&#10;\usepackage{amsmath}&#10;\pagestyle{empty}&#10;\begin{document}&#10;&#10;&#10;$$ KD_{target}= 10{-7} \text{ (M)} $$&#10;&#10;\end{document}" title="IguanaTex Bitmap Display">
+            <a:extLst>
+              <a:ext uri="{FF2B5EF4-FFF2-40B4-BE49-F238E27FC236}">
+                <a16:creationId xmlns:a16="http://schemas.microsoft.com/office/drawing/2014/main" id="{FACB16E5-54C1-EB82-A4EB-19A491B83DE0}"/>
+              </a:ext>
+            </a:extLst>
+          </p:cNvPr>
+          <p:cNvPicPr>
+            <a:picLocks noChangeAspect="1"/>
+          </p:cNvPicPr>
+          <p:nvPr>
+            <p:custDataLst>
+              <p:tags r:id="rId5"/>
+            </p:custDataLst>
+          </p:nvPr>
+        </p:nvPicPr>
+        <p:blipFill>
+          <a:blip r:embed="rId16"/>
+          <a:stretch>
+            <a:fillRect/>
+          </a:stretch>
+        </p:blipFill>
+        <p:spPr>
+          <a:xfrm>
+            <a:off x="8826843" y="4616804"/>
+            <a:ext cx="2413000" cy="279400"/>
+          </a:xfrm>
+          <a:prstGeom prst="rect">
+            <a:avLst/>
+          </a:prstGeom>
+        </p:spPr>
+      </p:pic>
+      <p:pic>
+        <p:nvPicPr>
+          <p:cNvPr id="18" name="Picture 17" descr="\documentclass{article}&#10;\usepackage{amsmath}&#10;\pagestyle{empty}&#10;\begin{document}&#10;&#10;&#10;$$ KD_{anchor} = 10{-9} \text{ (M)} $$&#10;&#10;\end{document}" title="IguanaTex Bitmap Display">
+            <a:extLst>
+              <a:ext uri="{FF2B5EF4-FFF2-40B4-BE49-F238E27FC236}">
+                <a16:creationId xmlns:a16="http://schemas.microsoft.com/office/drawing/2014/main" id="{D1B14293-AC71-F1DA-3BFA-EB3BE20B5883}"/>
+              </a:ext>
+            </a:extLst>
+          </p:cNvPr>
+          <p:cNvPicPr>
+            <a:picLocks noChangeAspect="1"/>
+          </p:cNvPicPr>
+          <p:nvPr>
+            <p:custDataLst>
+              <p:tags r:id="rId6"/>
+            </p:custDataLst>
+          </p:nvPr>
+        </p:nvPicPr>
+        <p:blipFill>
+          <a:blip r:embed="rId17"/>
+          <a:stretch>
+            <a:fillRect/>
+          </a:stretch>
+        </p:blipFill>
+        <p:spPr>
+          <a:xfrm>
+            <a:off x="8826843" y="5189333"/>
+            <a:ext cx="2489200" cy="254000"/>
+          </a:xfrm>
+          <a:prstGeom prst="rect">
+            <a:avLst/>
+          </a:prstGeom>
+        </p:spPr>
+      </p:pic>
+    </p:spTree>
+    <p:extLst>
+      <p:ext uri="{BB962C8B-B14F-4D97-AF65-F5344CB8AC3E}">
+        <p14:creationId xmlns:p14="http://schemas.microsoft.com/office/powerpoint/2010/main" val="4099352281"/>
+      </p:ext>
+    </p:extLst>
+  </p:cSld>
+  <p:clrMapOvr>
+    <a:masterClrMapping/>
+  </p:clrMapOvr>
+</p:sld>
+</file>
+
+<file path=ppt/slides/slide9.xml><?xml version="1.0" encoding="utf-8"?>
+<p:sld xmlns:a="http://schemas.openxmlformats.org/drawingml/2006/main" xmlns:r="http://schemas.openxmlformats.org/officeDocument/2006/relationships" xmlns:p="http://schemas.openxmlformats.org/presentationml/2006/main">
+  <p:cSld>
+    <p:spTree>
+      <p:nvGrpSpPr>
+        <p:cNvPr id="1" name=""/>
+        <p:cNvGrpSpPr/>
+        <p:nvPr/>
+      </p:nvGrpSpPr>
+      <p:grpSpPr>
+        <a:xfrm>
+          <a:off x="0" y="0"/>
+          <a:ext cx="0" cy="0"/>
+          <a:chOff x="0" y="0"/>
+          <a:chExt cx="0" cy="0"/>
+        </a:xfrm>
+      </p:grpSpPr>
+      <p:pic>
+        <p:nvPicPr>
+          <p:cNvPr id="5" name="Content Placeholder 4" descr="A chart of a gradient&#10;&#10;Description automatically generated with medium confidence">
+            <a:extLst>
+              <a:ext uri="{FF2B5EF4-FFF2-40B4-BE49-F238E27FC236}">
+                <a16:creationId xmlns:a16="http://schemas.microsoft.com/office/drawing/2014/main" id="{C7FFCD88-1008-68DC-8343-9D7E8F4B42C1}"/>
+              </a:ext>
+            </a:extLst>
+          </p:cNvPr>
+          <p:cNvPicPr>
+            <a:picLocks noGrp="1" noChangeAspect="1"/>
+          </p:cNvPicPr>
+          <p:nvPr>
+            <p:ph idx="1"/>
+          </p:nvPr>
+        </p:nvPicPr>
+        <p:blipFill rotWithShape="1">
+          <a:blip r:embed="rId2"/>
+          <a:srcRect t="8445" r="12024"/>
+          <a:stretch/>
+        </p:blipFill>
+        <p:spPr>
+          <a:xfrm>
+            <a:off x="1441236" y="54987"/>
+            <a:ext cx="4168423" cy="3374013"/>
+          </a:xfrm>
+        </p:spPr>
+      </p:pic>
+      <p:pic>
+        <p:nvPicPr>
+          <p:cNvPr id="7" name="Picture 6" descr="A graph of a number of objects&#10;&#10;Description automatically generated with medium confidence">
+            <a:extLst>
+              <a:ext uri="{FF2B5EF4-FFF2-40B4-BE49-F238E27FC236}">
+                <a16:creationId xmlns:a16="http://schemas.microsoft.com/office/drawing/2014/main" id="{F03AF90A-F954-A750-10E4-68EA0093E645}"/>
               </a:ext>
             </a:extLst>
           </p:cNvPr>
@@ -4494,13 +5796,13 @@
         </p:nvPicPr>
         <p:blipFill rotWithShape="1">
           <a:blip r:embed="rId3"/>
-          <a:srcRect t="8250" r="13420"/>
+          <a:srcRect t="8773" r="13089"/>
           <a:stretch/>
         </p:blipFill>
         <p:spPr>
           <a:xfrm>
-            <a:off x="7004952" y="146304"/>
-            <a:ext cx="4297032" cy="3415209"/>
+            <a:off x="6917882" y="44258"/>
+            <a:ext cx="4238541" cy="3336785"/>
           </a:xfrm>
           <a:prstGeom prst="rect">
             <a:avLst/>
@@ -4509,10 +5811,10 @@
       </p:pic>
       <p:pic>
         <p:nvPicPr>
-          <p:cNvPr id="9" name="Picture 8" descr="A chart with numbers and a square&#10;&#10;Description automatically generated with medium confidence">
-            <a:extLst>
-              <a:ext uri="{FF2B5EF4-FFF2-40B4-BE49-F238E27FC236}">
-                <a16:creationId xmlns:a16="http://schemas.microsoft.com/office/drawing/2014/main" id="{38DBB168-D66F-AC73-5BE4-175B8CD41AF3}"/>
+          <p:cNvPr id="9" name="Picture 8" descr="A graph of a color&#10;&#10;Description automatically generated with medium confidence">
+            <a:extLst>
+              <a:ext uri="{FF2B5EF4-FFF2-40B4-BE49-F238E27FC236}">
+                <a16:creationId xmlns:a16="http://schemas.microsoft.com/office/drawing/2014/main" id="{D5E91AA7-38AC-D06E-BA0F-6BF0809F70A0}"/>
               </a:ext>
             </a:extLst>
           </p:cNvPr>
@@ -4523,13 +5825,13 @@
         </p:nvPicPr>
         <p:blipFill rotWithShape="1">
           <a:blip r:embed="rId4"/>
-          <a:srcRect t="8300" r="14943"/>
+          <a:srcRect t="9070" r="13638"/>
           <a:stretch/>
         </p:blipFill>
         <p:spPr>
           <a:xfrm>
-            <a:off x="1428205" y="3505366"/>
-            <a:ext cx="3975899" cy="3333865"/>
+            <a:off x="1441236" y="3502432"/>
+            <a:ext cx="4168423" cy="3413611"/>
           </a:xfrm>
           <a:prstGeom prst="rect">
             <a:avLst/>
@@ -4538,10 +5840,10 @@
       </p:pic>
       <p:pic>
         <p:nvPicPr>
-          <p:cNvPr id="11" name="Picture 10" descr="A graph of a number of colored squares&#10;&#10;Description automatically generated with medium confidence">
-            <a:extLst>
-              <a:ext uri="{FF2B5EF4-FFF2-40B4-BE49-F238E27FC236}">
-                <a16:creationId xmlns:a16="http://schemas.microsoft.com/office/drawing/2014/main" id="{FA2E6B1C-6BDF-DBBC-A902-1DDE27D1D661}"/>
+          <p:cNvPr id="11" name="Picture 10" descr="A graph of a number of numbers&#10;&#10;Description automatically generated with medium confidence">
+            <a:extLst>
+              <a:ext uri="{FF2B5EF4-FFF2-40B4-BE49-F238E27FC236}">
+                <a16:creationId xmlns:a16="http://schemas.microsoft.com/office/drawing/2014/main" id="{5EDEC001-59EC-C9CE-019C-FB2966DCF710}"/>
               </a:ext>
             </a:extLst>
           </p:cNvPr>
@@ -4552,13 +5854,13 @@
         </p:nvPicPr>
         <p:blipFill rotWithShape="1">
           <a:blip r:embed="rId5"/>
-          <a:srcRect t="8300" r="13275"/>
+          <a:srcRect t="9620" r="13638"/>
           <a:stretch/>
         </p:blipFill>
         <p:spPr>
           <a:xfrm>
-            <a:off x="7248131" y="3505366"/>
-            <a:ext cx="4053853" cy="3333866"/>
+            <a:off x="7065951" y="3502432"/>
+            <a:ext cx="3942401" cy="3209010"/>
           </a:xfrm>
           <a:prstGeom prst="rect">
             <a:avLst/>
@@ -4570,7 +5872,7 @@
           <p:cNvPr id="12" name="TextBox 11">
             <a:extLst>
               <a:ext uri="{FF2B5EF4-FFF2-40B4-BE49-F238E27FC236}">
-                <a16:creationId xmlns:a16="http://schemas.microsoft.com/office/drawing/2014/main" id="{EDEDAD0E-BF8A-FCEA-6ABB-9447862CBF74}"/>
+                <a16:creationId xmlns:a16="http://schemas.microsoft.com/office/drawing/2014/main" id="{B20D4FE1-B287-3B42-8DF5-557C9E1CB594}"/>
               </a:ext>
             </a:extLst>
           </p:cNvPr>
@@ -4579,7 +5881,128 @@
         </p:nvSpPr>
         <p:spPr>
           <a:xfrm>
+            <a:off x="71437" y="1418827"/>
+            <a:ext cx="1369799" cy="646331"/>
+          </a:xfrm>
+          <a:prstGeom prst="rect">
+            <a:avLst/>
+          </a:prstGeom>
+          <a:noFill/>
+        </p:spPr>
+        <p:txBody>
+          <a:bodyPr wrap="none" rtlCol="0">
+            <a:spAutoFit/>
+          </a:bodyPr>
+          <a:lstStyle/>
+          <a:p>
+            <a:r>
+              <a:rPr lang="en-US" dirty="0"/>
+              <a:t>KD(target) = </a:t>
+            </a:r>
+          </a:p>
+          <a:p>
+            <a:r>
+              <a:rPr lang="en-US" dirty="0"/>
+              <a:t>1nM</a:t>
+            </a:r>
+          </a:p>
+        </p:txBody>
+      </p:sp>
+      <p:sp>
+        <p:nvSpPr>
+          <p:cNvPr id="13" name="TextBox 12">
+            <a:extLst>
+              <a:ext uri="{FF2B5EF4-FFF2-40B4-BE49-F238E27FC236}">
+                <a16:creationId xmlns:a16="http://schemas.microsoft.com/office/drawing/2014/main" id="{6D36ACCF-25B0-5654-6D2F-D60DC3AA09D5}"/>
+              </a:ext>
+            </a:extLst>
+          </p:cNvPr>
+          <p:cNvSpPr txBox="1"/>
+          <p:nvPr/>
+        </p:nvSpPr>
+        <p:spPr>
+          <a:xfrm>
+            <a:off x="71437" y="4469677"/>
+            <a:ext cx="1264000" cy="646331"/>
+          </a:xfrm>
+          <a:prstGeom prst="rect">
+            <a:avLst/>
+          </a:prstGeom>
+          <a:noFill/>
+        </p:spPr>
+        <p:txBody>
+          <a:bodyPr wrap="none" rtlCol="0">
+            <a:spAutoFit/>
+          </a:bodyPr>
+          <a:lstStyle/>
+          <a:p>
+            <a:r>
+              <a:rPr lang="en-US" dirty="0"/>
+              <a:t>KD(target)=</a:t>
+            </a:r>
+          </a:p>
+          <a:p>
+            <a:r>
+              <a:rPr lang="en-US" dirty="0"/>
+              <a:t>100nM</a:t>
+            </a:r>
+          </a:p>
+        </p:txBody>
+      </p:sp>
+      <p:sp>
+        <p:nvSpPr>
+          <p:cNvPr id="14" name="TextBox 13">
+            <a:extLst>
+              <a:ext uri="{FF2B5EF4-FFF2-40B4-BE49-F238E27FC236}">
+                <a16:creationId xmlns:a16="http://schemas.microsoft.com/office/drawing/2014/main" id="{678D3F1D-23FF-B508-751E-37BACDE8CEF6}"/>
+              </a:ext>
+            </a:extLst>
+          </p:cNvPr>
+          <p:cNvSpPr txBox="1"/>
+          <p:nvPr/>
+        </p:nvSpPr>
+        <p:spPr>
+          <a:xfrm>
             <a:off x="2552328" y="466344"/>
+            <a:ext cx="1946238" cy="369332"/>
+          </a:xfrm>
+          <a:prstGeom prst="rect">
+            <a:avLst/>
+          </a:prstGeom>
+          <a:noFill/>
+        </p:spPr>
+        <p:txBody>
+          <a:bodyPr wrap="none" rtlCol="0">
+            <a:spAutoFit/>
+          </a:bodyPr>
+          <a:lstStyle/>
+          <a:p>
+            <a:r>
+              <a:rPr lang="en-US" dirty="0" err="1"/>
+              <a:t>Rtot_target</a:t>
+            </a:r>
+            <a:r>
+              <a:rPr lang="en-US" dirty="0"/>
+              <a:t> =10^3 </a:t>
+            </a:r>
+          </a:p>
+        </p:txBody>
+      </p:sp>
+      <p:sp>
+        <p:nvSpPr>
+          <p:cNvPr id="15" name="TextBox 14">
+            <a:extLst>
+              <a:ext uri="{FF2B5EF4-FFF2-40B4-BE49-F238E27FC236}">
+                <a16:creationId xmlns:a16="http://schemas.microsoft.com/office/drawing/2014/main" id="{A4C9F065-F40E-56FC-7198-41DD88261C81}"/>
+              </a:ext>
+            </a:extLst>
+          </p:cNvPr>
+          <p:cNvSpPr txBox="1"/>
+          <p:nvPr/>
+        </p:nvSpPr>
+        <p:spPr>
+          <a:xfrm>
+            <a:off x="7761360" y="281678"/>
             <a:ext cx="1946238" cy="369332"/>
           </a:xfrm>
           <a:prstGeom prst="rect">
@@ -4607,17 +6030,17 @@
                   <a:schemeClr val="bg1"/>
                 </a:solidFill>
               </a:rPr>
-              <a:t> =10^3 </a:t>
-            </a:r>
-          </a:p>
-        </p:txBody>
-      </p:sp>
-      <p:sp>
-        <p:nvSpPr>
-          <p:cNvPr id="13" name="TextBox 12">
-            <a:extLst>
-              <a:ext uri="{FF2B5EF4-FFF2-40B4-BE49-F238E27FC236}">
-                <a16:creationId xmlns:a16="http://schemas.microsoft.com/office/drawing/2014/main" id="{02EC1ECA-50E9-B280-A856-A7432EADED1E}"/>
+              <a:t> =10^5 </a:t>
+            </a:r>
+          </a:p>
+        </p:txBody>
+      </p:sp>
+      <p:sp>
+        <p:nvSpPr>
+          <p:cNvPr id="16" name="TextBox 15">
+            <a:extLst>
+              <a:ext uri="{FF2B5EF4-FFF2-40B4-BE49-F238E27FC236}">
+                <a16:creationId xmlns:a16="http://schemas.microsoft.com/office/drawing/2014/main" id="{B26B25FF-5818-7BD5-F919-1EFA2916B1BC}"/>
               </a:ext>
             </a:extLst>
           </p:cNvPr>
@@ -4626,8 +6049,43 @@
         </p:nvSpPr>
         <p:spPr>
           <a:xfrm>
-            <a:off x="8180349" y="466344"/>
-            <a:ext cx="1946238" cy="369332"/>
+            <a:off x="79697" y="189345"/>
+            <a:ext cx="1879600" cy="923330"/>
+          </a:xfrm>
+          <a:prstGeom prst="rect">
+            <a:avLst/>
+          </a:prstGeom>
+          <a:noFill/>
+        </p:spPr>
+        <p:txBody>
+          <a:bodyPr wrap="square" rtlCol="0">
+            <a:spAutoFit/>
+          </a:bodyPr>
+          <a:lstStyle/>
+          <a:p>
+            <a:r>
+              <a:rPr lang="en-US" dirty="0"/>
+              <a:t>Receptor Occupancy EC50 plots</a:t>
+            </a:r>
+          </a:p>
+        </p:txBody>
+      </p:sp>
+      <p:sp>
+        <p:nvSpPr>
+          <p:cNvPr id="17" name="TextBox 16">
+            <a:extLst>
+              <a:ext uri="{FF2B5EF4-FFF2-40B4-BE49-F238E27FC236}">
+                <a16:creationId xmlns:a16="http://schemas.microsoft.com/office/drawing/2014/main" id="{4973CB16-042C-2F7E-C560-9AD466A1D4EC}"/>
+              </a:ext>
+            </a:extLst>
+          </p:cNvPr>
+          <p:cNvSpPr txBox="1"/>
+          <p:nvPr/>
+        </p:nvSpPr>
+        <p:spPr>
+          <a:xfrm>
+            <a:off x="-30631" y="6007608"/>
+            <a:ext cx="1887055" cy="338554"/>
           </a:xfrm>
           <a:prstGeom prst="rect">
             <a:avLst/>
@@ -4641,207 +6099,8 @@
           <a:lstStyle/>
           <a:p>
             <a:r>
-              <a:rPr lang="en-US" dirty="0" err="1">
-                <a:solidFill>
-                  <a:schemeClr val="bg1"/>
-                </a:solidFill>
-              </a:rPr>
-              <a:t>Rtot_target</a:t>
-            </a:r>
-            <a:r>
-              <a:rPr lang="en-US" dirty="0">
-                <a:solidFill>
-                  <a:schemeClr val="bg1"/>
-                </a:solidFill>
-              </a:rPr>
-              <a:t> =10^5 </a:t>
-            </a:r>
-          </a:p>
-        </p:txBody>
-      </p:sp>
-      <p:sp>
-        <p:nvSpPr>
-          <p:cNvPr id="14" name="TextBox 13">
-            <a:extLst>
-              <a:ext uri="{FF2B5EF4-FFF2-40B4-BE49-F238E27FC236}">
-                <a16:creationId xmlns:a16="http://schemas.microsoft.com/office/drawing/2014/main" id="{29C4AAF8-81EF-4DB2-079B-DA237047EEEA}"/>
-              </a:ext>
-            </a:extLst>
-          </p:cNvPr>
-          <p:cNvSpPr txBox="1"/>
-          <p:nvPr/>
-        </p:nvSpPr>
-        <p:spPr>
-          <a:xfrm>
-            <a:off x="71437" y="1418827"/>
-            <a:ext cx="1369799" cy="646331"/>
-          </a:xfrm>
-          <a:prstGeom prst="rect">
-            <a:avLst/>
-          </a:prstGeom>
-          <a:noFill/>
-        </p:spPr>
-        <p:txBody>
-          <a:bodyPr wrap="none" rtlCol="0">
-            <a:spAutoFit/>
-          </a:bodyPr>
-          <a:lstStyle/>
-          <a:p>
-            <a:r>
-              <a:rPr lang="en-US" dirty="0"/>
-              <a:t>KD(target) = </a:t>
-            </a:r>
-          </a:p>
-          <a:p>
-            <a:r>
-              <a:rPr lang="en-US" dirty="0"/>
-              <a:t>1nM</a:t>
-            </a:r>
-          </a:p>
-        </p:txBody>
-      </p:sp>
-      <p:sp>
-        <p:nvSpPr>
-          <p:cNvPr id="15" name="TextBox 14">
-            <a:extLst>
-              <a:ext uri="{FF2B5EF4-FFF2-40B4-BE49-F238E27FC236}">
-                <a16:creationId xmlns:a16="http://schemas.microsoft.com/office/drawing/2014/main" id="{E5AAC1FA-F208-DA3E-9994-31F2C65DEAB9}"/>
-              </a:ext>
-            </a:extLst>
-          </p:cNvPr>
-          <p:cNvSpPr txBox="1"/>
-          <p:nvPr/>
-        </p:nvSpPr>
-        <p:spPr>
-          <a:xfrm>
-            <a:off x="71437" y="4615981"/>
-            <a:ext cx="1264000" cy="646331"/>
-          </a:xfrm>
-          <a:prstGeom prst="rect">
-            <a:avLst/>
-          </a:prstGeom>
-          <a:noFill/>
-        </p:spPr>
-        <p:txBody>
-          <a:bodyPr wrap="none" rtlCol="0">
-            <a:spAutoFit/>
-          </a:bodyPr>
-          <a:lstStyle/>
-          <a:p>
-            <a:r>
-              <a:rPr lang="en-US" dirty="0"/>
-              <a:t>KD(target)=</a:t>
-            </a:r>
-          </a:p>
-          <a:p>
-            <a:r>
-              <a:rPr lang="en-US" dirty="0"/>
-              <a:t>100nM</a:t>
-            </a:r>
-          </a:p>
-        </p:txBody>
-      </p:sp>
-      <p:sp>
-        <p:nvSpPr>
-          <p:cNvPr id="16" name="TextBox 15">
-            <a:extLst>
-              <a:ext uri="{FF2B5EF4-FFF2-40B4-BE49-F238E27FC236}">
-                <a16:creationId xmlns:a16="http://schemas.microsoft.com/office/drawing/2014/main" id="{3EB1EA4D-C820-258A-58D0-ED1615A7F395}"/>
-              </a:ext>
-            </a:extLst>
-          </p:cNvPr>
-          <p:cNvSpPr txBox="1"/>
-          <p:nvPr/>
-        </p:nvSpPr>
-        <p:spPr>
-          <a:xfrm>
-            <a:off x="-30631" y="6007608"/>
-            <a:ext cx="1887055" cy="338554"/>
-          </a:xfrm>
-          <a:prstGeom prst="rect">
-            <a:avLst/>
-          </a:prstGeom>
-          <a:noFill/>
-        </p:spPr>
-        <p:txBody>
-          <a:bodyPr wrap="none" rtlCol="0">
-            <a:spAutoFit/>
-          </a:bodyPr>
-          <a:lstStyle/>
-          <a:p>
-            <a:r>
               <a:rPr lang="en-US" sz="1600" dirty="0"/>
               <a:t>D=10^-14 (m^2s^-1)</a:t>
-            </a:r>
-          </a:p>
-        </p:txBody>
-      </p:sp>
-      <p:sp>
-        <p:nvSpPr>
-          <p:cNvPr id="17" name="TextBox 16">
-            <a:extLst>
-              <a:ext uri="{FF2B5EF4-FFF2-40B4-BE49-F238E27FC236}">
-                <a16:creationId xmlns:a16="http://schemas.microsoft.com/office/drawing/2014/main" id="{F598AF38-48AD-4232-4715-E3582674B615}"/>
-              </a:ext>
-            </a:extLst>
-          </p:cNvPr>
-          <p:cNvSpPr txBox="1"/>
-          <p:nvPr/>
-        </p:nvSpPr>
-        <p:spPr>
-          <a:xfrm>
-            <a:off x="79697" y="189345"/>
-            <a:ext cx="1879600" cy="646331"/>
-          </a:xfrm>
-          <a:prstGeom prst="rect">
-            <a:avLst/>
-          </a:prstGeom>
-          <a:noFill/>
-        </p:spPr>
-        <p:txBody>
-          <a:bodyPr wrap="square" rtlCol="0">
-            <a:spAutoFit/>
-          </a:bodyPr>
-          <a:lstStyle/>
-          <a:p>
-            <a:r>
-              <a:rPr lang="en-US" dirty="0"/>
-              <a:t>Bound Antibody EC50 plots</a:t>
-            </a:r>
-          </a:p>
-        </p:txBody>
-      </p:sp>
-      <p:sp>
-        <p:nvSpPr>
-          <p:cNvPr id="18" name="TextBox 17">
-            <a:extLst>
-              <a:ext uri="{FF2B5EF4-FFF2-40B4-BE49-F238E27FC236}">
-                <a16:creationId xmlns:a16="http://schemas.microsoft.com/office/drawing/2014/main" id="{29E3339B-472D-35F5-6E72-BEB35545F503}"/>
-              </a:ext>
-            </a:extLst>
-          </p:cNvPr>
-          <p:cNvSpPr txBox="1"/>
-          <p:nvPr/>
-        </p:nvSpPr>
-        <p:spPr>
-          <a:xfrm>
-            <a:off x="-3509" y="3171975"/>
-            <a:ext cx="1832809" cy="369332"/>
-          </a:xfrm>
-          <a:prstGeom prst="rect">
-            <a:avLst/>
-          </a:prstGeom>
-          <a:noFill/>
-        </p:spPr>
-        <p:txBody>
-          <a:bodyPr wrap="none" rtlCol="0">
-            <a:spAutoFit/>
-          </a:bodyPr>
-          <a:lstStyle/>
-          <a:p>
-            <a:r>
-              <a:rPr lang="en-US" dirty="0"/>
-              <a:t>!!Wrong KD axis!!</a:t>
             </a:r>
           </a:p>
         </p:txBody>
@@ -4849,7 +6108,7 @@
     </p:spTree>
     <p:extLst>
       <p:ext uri="{BB962C8B-B14F-4D97-AF65-F5344CB8AC3E}">
-        <p14:creationId xmlns:p14="http://schemas.microsoft.com/office/powerpoint/2010/main" val="3599495476"/>
+        <p14:creationId xmlns:p14="http://schemas.microsoft.com/office/powerpoint/2010/main" val="4195705440"/>
       </p:ext>
     </p:extLst>
   </p:cSld>
@@ -4857,6 +6116,406 @@
     <a:masterClrMapping/>
   </p:clrMapOvr>
 </p:sld>
+</file>
+
+<file path=ppt/tags/tag1.xml><?xml version="1.0" encoding="utf-8"?>
+<p:tagLst xmlns:a="http://schemas.openxmlformats.org/drawingml/2006/main" xmlns:r="http://schemas.openxmlformats.org/officeDocument/2006/relationships" xmlns:p="http://schemas.openxmlformats.org/presentationml/2006/main">
+  <p:tag name="OUTPUTDPI" val="1200"/>
+  <p:tag name="ORIGINALHEIGHT" val="12"/>
+  <p:tag name="ORIGINALWIDTH" val="98"/>
+  <p:tag name="OUTPUTTYPE" val="PDF"/>
+  <p:tag name="IGUANATEXVERSION" val="160"/>
+  <p:tag name="LATEXADDIN" val="\documentclass{article}&#10;\usepackage{amsmath}&#10;\pagestyle{empty}&#10;\begin{document}&#10;&#10;&#10;$$ r_{target} = r_{anchor} = 10^5 $$&#10;&#10;\end{document}"/>
+  <p:tag name="IGUANATEXSIZE" val="20"/>
+  <p:tag name="IGUANATEXCURSOR" val="114"/>
+  <p:tag name="TRANSPARENCY" val="True"/>
+  <p:tag name="LATEXENGINEID" val="0"/>
+  <p:tag name="TEMPFOLDER" val="/Users/lukeheirene/Library/Containers/com.microsoft.Powerpoint/Data/tmp/TemporaryItems/"/>
+  <p:tag name="LATEXFORMHEIGHT" val="426.65"/>
+  <p:tag name="LATEXFORMWIDTH" val="513.35"/>
+  <p:tag name="LATEXFORMWRAP" val="True"/>
+  <p:tag name="BITMAPVECTOR" val="0"/>
+</p:tagLst>
+</file>
+
+<file path=ppt/tags/tag10.xml><?xml version="1.0" encoding="utf-8"?>
+<p:tagLst xmlns:a="http://schemas.openxmlformats.org/drawingml/2006/main" xmlns:r="http://schemas.openxmlformats.org/officeDocument/2006/relationships" xmlns:p="http://schemas.openxmlformats.org/presentationml/2006/main">
+  <p:tag name="OUTPUTDPI" val="1200"/>
+  <p:tag name="ORIGINALHEIGHT" val="11"/>
+  <p:tag name="ORIGINALWIDTH" val="58"/>
+  <p:tag name="OUTPUTTYPE" val="PDF"/>
+  <p:tag name="IGUANATEXVERSION" val="160"/>
+  <p:tag name="LATEXADDIN" val="\documentclass{article}&#10;\usepackage{amsmath}&#10;\pagestyle{empty}&#10;\begin{document}&#10;&#10;&#10;$$ A_{init} = 10^{-11} $$&#10;&#10;\end{document}"/>
+  <p:tag name="IGUANATEXSIZE" val="20"/>
+  <p:tag name="IGUANATEXCURSOR" val="82"/>
+  <p:tag name="TRANSPARENCY" val="True"/>
+  <p:tag name="LATEXENGINEID" val="0"/>
+  <p:tag name="TEMPFOLDER" val="/Users/lukeheirene/Library/Containers/com.microsoft.Powerpoint/Data/tmp/TemporaryItems/"/>
+  <p:tag name="LATEXFORMHEIGHT" val="426.65"/>
+  <p:tag name="LATEXFORMWIDTH" val="513.35"/>
+  <p:tag name="LATEXFORMWRAP" val="True"/>
+  <p:tag name="BITMAPVECTOR" val="0"/>
+</p:tagLst>
+</file>
+
+<file path=ppt/tags/tag11.xml><?xml version="1.0" encoding="utf-8"?>
+<p:tagLst xmlns:a="http://schemas.openxmlformats.org/drawingml/2006/main" xmlns:r="http://schemas.openxmlformats.org/officeDocument/2006/relationships" xmlns:p="http://schemas.openxmlformats.org/presentationml/2006/main">
+  <p:tag name="OUTPUTDPI" val="1200"/>
+  <p:tag name="ORIGINALHEIGHT" val="11"/>
+  <p:tag name="ORIGINALWIDTH" val="55"/>
+  <p:tag name="OUTPUTTYPE" val="PDF"/>
+  <p:tag name="IGUANATEXVERSION" val="160"/>
+  <p:tag name="LATEXADDIN" val="\documentclass{article}&#10;\usepackage{amsmath}&#10;\pagestyle{empty}&#10;\begin{document}&#10;&#10;&#10;$$ A_{init} = 10^{-8} $$&#10;&#10;\end{document}"/>
+  <p:tag name="IGUANATEXSIZE" val="20"/>
+  <p:tag name="IGUANATEXCURSOR" val="102"/>
+  <p:tag name="TRANSPARENCY" val="True"/>
+  <p:tag name="LATEXENGINEID" val="0"/>
+  <p:tag name="TEMPFOLDER" val="/Users/lukeheirene/Library/Containers/com.microsoft.Powerpoint/Data/tmp/TemporaryItems/"/>
+  <p:tag name="LATEXFORMHEIGHT" val="426.65"/>
+  <p:tag name="LATEXFORMWIDTH" val="513.35"/>
+  <p:tag name="LATEXFORMWRAP" val="True"/>
+  <p:tag name="BITMAPVECTOR" val="0"/>
+</p:tagLst>
+</file>
+
+<file path=ppt/tags/tag12.xml><?xml version="1.0" encoding="utf-8"?>
+<p:tagLst xmlns:a="http://schemas.openxmlformats.org/drawingml/2006/main" xmlns:r="http://schemas.openxmlformats.org/officeDocument/2006/relationships" xmlns:p="http://schemas.openxmlformats.org/presentationml/2006/main">
+  <p:tag name="OUTPUTDPI" val="1200"/>
+  <p:tag name="ORIGINALHEIGHT" val="11"/>
+  <p:tag name="ORIGINALWIDTH" val="55"/>
+  <p:tag name="OUTPUTTYPE" val="PDF"/>
+  <p:tag name="IGUANATEXVERSION" val="160"/>
+  <p:tag name="LATEXADDIN" val="\documentclass{article}&#10;\usepackage{amsmath}&#10;\pagestyle{empty}&#10;\begin{document}&#10;&#10;&#10;$$ A_{init} = 10^{-5} $$&#10;&#10;\end{document}"/>
+  <p:tag name="IGUANATEXSIZE" val="20"/>
+  <p:tag name="IGUANATEXCURSOR" val="102"/>
+  <p:tag name="TRANSPARENCY" val="True"/>
+  <p:tag name="LATEXENGINEID" val="0"/>
+  <p:tag name="TEMPFOLDER" val="/Users/lukeheirene/Library/Containers/com.microsoft.Powerpoint/Data/tmp/TemporaryItems/"/>
+  <p:tag name="LATEXFORMHEIGHT" val="426.65"/>
+  <p:tag name="LATEXFORMWIDTH" val="513.35"/>
+  <p:tag name="LATEXFORMWRAP" val="True"/>
+  <p:tag name="BITMAPVECTOR" val="0"/>
+</p:tagLst>
+</file>
+
+<file path=ppt/tags/tag13.xml><?xml version="1.0" encoding="utf-8"?>
+<p:tagLst xmlns:a="http://schemas.openxmlformats.org/drawingml/2006/main" xmlns:r="http://schemas.openxmlformats.org/officeDocument/2006/relationships" xmlns:p="http://schemas.openxmlformats.org/presentationml/2006/main">
+  <p:tag name="OUTPUTDPI" val="1200"/>
+  <p:tag name="ORIGINALHEIGHT" val="11"/>
+  <p:tag name="ORIGINALWIDTH" val="95"/>
+  <p:tag name="OUTPUTTYPE" val="PDF"/>
+  <p:tag name="IGUANATEXVERSION" val="160"/>
+  <p:tag name="LATEXADDIN" val="\documentclass{article}&#10;\usepackage{amsmath}&#10;\pagestyle{empty}&#10;\begin{document}&#10;&#10;&#10;$$ KD_{target}= 10{-7} \text{ (M)} $$&#10;&#10;\end{document}"/>
+  <p:tag name="IGUANATEXSIZE" val="20"/>
+  <p:tag name="IGUANATEXCURSOR" val="103"/>
+  <p:tag name="TRANSPARENCY" val="True"/>
+  <p:tag name="LATEXENGINEID" val="0"/>
+  <p:tag name="TEMPFOLDER" val="/Users/lukeheirene/Library/Containers/com.microsoft.Powerpoint/Data/tmp/TemporaryItems/"/>
+  <p:tag name="LATEXFORMHEIGHT" val="426.65"/>
+  <p:tag name="LATEXFORMWIDTH" val="513.35"/>
+  <p:tag name="LATEXFORMWRAP" val="True"/>
+  <p:tag name="BITMAPVECTOR" val="0"/>
+</p:tagLst>
+</file>
+
+<file path=ppt/tags/tag14.xml><?xml version="1.0" encoding="utf-8"?>
+<p:tagLst xmlns:a="http://schemas.openxmlformats.org/drawingml/2006/main" xmlns:r="http://schemas.openxmlformats.org/officeDocument/2006/relationships" xmlns:p="http://schemas.openxmlformats.org/presentationml/2006/main">
+  <p:tag name="OUTPUTDPI" val="1200"/>
+  <p:tag name="ORIGINALHEIGHT" val="10"/>
+  <p:tag name="ORIGINALWIDTH" val="98"/>
+  <p:tag name="OUTPUTTYPE" val="PDF"/>
+  <p:tag name="IGUANATEXVERSION" val="160"/>
+  <p:tag name="LATEXADDIN" val="\documentclass{article}&#10;\usepackage{amsmath}&#10;\pagestyle{empty}&#10;\begin{document}&#10;&#10;&#10;$$ KD_{anchor} = 10{-9} \text{ (M)} $$&#10;&#10;\end{document}"/>
+  <p:tag name="IGUANATEXSIZE" val="20"/>
+  <p:tag name="IGUANATEXCURSOR" val="85"/>
+  <p:tag name="TRANSPARENCY" val="True"/>
+  <p:tag name="LATEXENGINEID" val="0"/>
+  <p:tag name="TEMPFOLDER" val="/Users/lukeheirene/Library/Containers/com.microsoft.Powerpoint/Data/tmp/TemporaryItems/"/>
+  <p:tag name="LATEXFORMHEIGHT" val="426.65"/>
+  <p:tag name="LATEXFORMWIDTH" val="513.35"/>
+  <p:tag name="LATEXFORMWRAP" val="True"/>
+  <p:tag name="BITMAPVECTOR" val="0"/>
+</p:tagLst>
+</file>
+
+<file path=ppt/tags/tag15.xml><?xml version="1.0" encoding="utf-8"?>
+<p:tagLst xmlns:a="http://schemas.openxmlformats.org/drawingml/2006/main" xmlns:r="http://schemas.openxmlformats.org/officeDocument/2006/relationships" xmlns:p="http://schemas.openxmlformats.org/presentationml/2006/main">
+  <p:tag name="OUTPUTDPI" val="1200"/>
+  <p:tag name="ORIGINALHEIGHT" val="11"/>
+  <p:tag name="ORIGINALWIDTH" val="58"/>
+  <p:tag name="OUTPUTTYPE" val="PDF"/>
+  <p:tag name="IGUANATEXVERSION" val="160"/>
+  <p:tag name="LATEXADDIN" val="\documentclass{article}&#10;\usepackage{amsmath}&#10;\pagestyle{empty}&#10;\begin{document}&#10;&#10;&#10;$$ A_{init} = 10^{-11} $$&#10;&#10;\end{document}"/>
+  <p:tag name="IGUANATEXSIZE" val="20"/>
+  <p:tag name="IGUANATEXCURSOR" val="82"/>
+  <p:tag name="TRANSPARENCY" val="True"/>
+  <p:tag name="LATEXENGINEID" val="0"/>
+  <p:tag name="TEMPFOLDER" val="/Users/lukeheirene/Library/Containers/com.microsoft.Powerpoint/Data/tmp/TemporaryItems/"/>
+  <p:tag name="LATEXFORMHEIGHT" val="426.65"/>
+  <p:tag name="LATEXFORMWIDTH" val="513.35"/>
+  <p:tag name="LATEXFORMWRAP" val="True"/>
+  <p:tag name="BITMAPVECTOR" val="0"/>
+</p:tagLst>
+</file>
+
+<file path=ppt/tags/tag16.xml><?xml version="1.0" encoding="utf-8"?>
+<p:tagLst xmlns:a="http://schemas.openxmlformats.org/drawingml/2006/main" xmlns:r="http://schemas.openxmlformats.org/officeDocument/2006/relationships" xmlns:p="http://schemas.openxmlformats.org/presentationml/2006/main">
+  <p:tag name="OUTPUTDPI" val="1200"/>
+  <p:tag name="ORIGINALHEIGHT" val="11"/>
+  <p:tag name="ORIGINALWIDTH" val="55"/>
+  <p:tag name="OUTPUTTYPE" val="PDF"/>
+  <p:tag name="IGUANATEXVERSION" val="160"/>
+  <p:tag name="LATEXADDIN" val="\documentclass{article}&#10;\usepackage{amsmath}&#10;\pagestyle{empty}&#10;\begin{document}&#10;&#10;&#10;$$ A_{init} = 10^{-8} $$&#10;&#10;\end{document}"/>
+  <p:tag name="IGUANATEXSIZE" val="20"/>
+  <p:tag name="IGUANATEXCURSOR" val="102"/>
+  <p:tag name="TRANSPARENCY" val="True"/>
+  <p:tag name="LATEXENGINEID" val="0"/>
+  <p:tag name="TEMPFOLDER" val="/Users/lukeheirene/Library/Containers/com.microsoft.Powerpoint/Data/tmp/TemporaryItems/"/>
+  <p:tag name="LATEXFORMHEIGHT" val="426.65"/>
+  <p:tag name="LATEXFORMWIDTH" val="513.35"/>
+  <p:tag name="LATEXFORMWRAP" val="True"/>
+  <p:tag name="BITMAPVECTOR" val="0"/>
+</p:tagLst>
+</file>
+
+<file path=ppt/tags/tag17.xml><?xml version="1.0" encoding="utf-8"?>
+<p:tagLst xmlns:a="http://schemas.openxmlformats.org/drawingml/2006/main" xmlns:r="http://schemas.openxmlformats.org/officeDocument/2006/relationships" xmlns:p="http://schemas.openxmlformats.org/presentationml/2006/main">
+  <p:tag name="OUTPUTDPI" val="1200"/>
+  <p:tag name="ORIGINALHEIGHT" val="11"/>
+  <p:tag name="ORIGINALWIDTH" val="55"/>
+  <p:tag name="OUTPUTTYPE" val="PDF"/>
+  <p:tag name="IGUANATEXVERSION" val="160"/>
+  <p:tag name="LATEXADDIN" val="\documentclass{article}&#10;\usepackage{amsmath}&#10;\pagestyle{empty}&#10;\begin{document}&#10;&#10;&#10;$$ A_{init} = 10^{-5} $$&#10;&#10;\end{document}"/>
+  <p:tag name="IGUANATEXSIZE" val="20"/>
+  <p:tag name="IGUANATEXCURSOR" val="102"/>
+  <p:tag name="TRANSPARENCY" val="True"/>
+  <p:tag name="LATEXENGINEID" val="0"/>
+  <p:tag name="TEMPFOLDER" val="/Users/lukeheirene/Library/Containers/com.microsoft.Powerpoint/Data/tmp/TemporaryItems/"/>
+  <p:tag name="LATEXFORMHEIGHT" val="426.65"/>
+  <p:tag name="LATEXFORMWIDTH" val="513.35"/>
+  <p:tag name="LATEXFORMWRAP" val="True"/>
+  <p:tag name="BITMAPVECTOR" val="0"/>
+</p:tagLst>
+</file>
+
+<file path=ppt/tags/tag18.xml><?xml version="1.0" encoding="utf-8"?>
+<p:tagLst xmlns:a="http://schemas.openxmlformats.org/drawingml/2006/main" xmlns:r="http://schemas.openxmlformats.org/officeDocument/2006/relationships" xmlns:p="http://schemas.openxmlformats.org/presentationml/2006/main">
+  <p:tag name="OUTPUTDPI" val="1200"/>
+  <p:tag name="ORIGINALHEIGHT" val="9"/>
+  <p:tag name="ORIGINALWIDTH" val="221"/>
+  <p:tag name="OUTPUTTYPE" val="PDF"/>
+  <p:tag name="IGUANATEXVERSION" val="160"/>
+  <p:tag name="LATEXADDIN" val="\documentclass{article}&#10;\usepackage{amsmath}&#10;\pagestyle{empty}&#10;\begin{document}&#10;&#10;&#10;Non-target cell number = $100 \times $Target cell number &#10;&#10;\end{document}"/>
+  <p:tag name="IGUANATEXSIZE" val="20"/>
+  <p:tag name="IGUANATEXCURSOR" val="108"/>
+  <p:tag name="TRANSPARENCY" val="True"/>
+  <p:tag name="LATEXENGINEID" val="0"/>
+  <p:tag name="TEMPFOLDER" val="/Users/lukeheirene/Library/Containers/com.microsoft.Powerpoint/Data/tmp/TemporaryItems/"/>
+  <p:tag name="LATEXFORMHEIGHT" val="426.65"/>
+  <p:tag name="LATEXFORMWIDTH" val="513.35"/>
+  <p:tag name="LATEXFORMWRAP" val="True"/>
+  <p:tag name="BITMAPVECTOR" val="0"/>
+</p:tagLst>
+</file>
+
+<file path=ppt/tags/tag19.xml><?xml version="1.0" encoding="utf-8"?>
+<p:tagLst xmlns:a="http://schemas.openxmlformats.org/drawingml/2006/main" xmlns:r="http://schemas.openxmlformats.org/officeDocument/2006/relationships" xmlns:p="http://schemas.openxmlformats.org/presentationml/2006/main">
+  <p:tag name="OUTPUTDPI" val="1200"/>
+  <p:tag name="ORIGINALHEIGHT" val="11"/>
+  <p:tag name="ORIGINALWIDTH" val="95"/>
+  <p:tag name="OUTPUTTYPE" val="PDF"/>
+  <p:tag name="IGUANATEXVERSION" val="160"/>
+  <p:tag name="LATEXADDIN" val="\documentclass{article}&#10;\usepackage{amsmath}&#10;\pagestyle{empty}&#10;\begin{document}&#10;&#10;&#10;$$ KD_{target}= 10{-7} \text{ (M)} $$&#10;&#10;\end{document}"/>
+  <p:tag name="IGUANATEXSIZE" val="20"/>
+  <p:tag name="IGUANATEXCURSOR" val="103"/>
+  <p:tag name="TRANSPARENCY" val="True"/>
+  <p:tag name="LATEXENGINEID" val="0"/>
+  <p:tag name="TEMPFOLDER" val="/Users/lukeheirene/Library/Containers/com.microsoft.Powerpoint/Data/tmp/TemporaryItems/"/>
+  <p:tag name="LATEXFORMHEIGHT" val="426.65"/>
+  <p:tag name="LATEXFORMWIDTH" val="513.35"/>
+  <p:tag name="LATEXFORMWRAP" val="True"/>
+  <p:tag name="BITMAPVECTOR" val="0"/>
+</p:tagLst>
+</file>
+
+<file path=ppt/tags/tag2.xml><?xml version="1.0" encoding="utf-8"?>
+<p:tagLst xmlns:a="http://schemas.openxmlformats.org/drawingml/2006/main" xmlns:r="http://schemas.openxmlformats.org/officeDocument/2006/relationships" xmlns:p="http://schemas.openxmlformats.org/presentationml/2006/main">
+  <p:tag name="OUTPUTDPI" val="1200"/>
+  <p:tag name="ORIGINALHEIGHT" val="11"/>
+  <p:tag name="ORIGINALWIDTH" val="152"/>
+  <p:tag name="OUTPUTTYPE" val="PDF"/>
+  <p:tag name="IGUANATEXVERSION" val="160"/>
+  <p:tag name="LATEXADDIN" val="\documentclass{article}&#10;\usepackage{amsmath}&#10;\pagestyle{empty}&#10;\begin{document}&#10;&#10;&#10;$$ KD_{target}=KD_{anchor} = 10{-9} \text{ (M)} $$&#10;&#10;\end{document}"/>
+  <p:tag name="IGUANATEXSIZE" val="20"/>
+  <p:tag name="IGUANATEXCURSOR" val="129"/>
+  <p:tag name="TRANSPARENCY" val="True"/>
+  <p:tag name="LATEXENGINEID" val="0"/>
+  <p:tag name="TEMPFOLDER" val="/Users/lukeheirene/Library/Containers/com.microsoft.Powerpoint/Data/tmp/TemporaryItems/"/>
+  <p:tag name="LATEXFORMHEIGHT" val="426.65"/>
+  <p:tag name="LATEXFORMWIDTH" val="513.35"/>
+  <p:tag name="LATEXFORMWRAP" val="True"/>
+  <p:tag name="BITMAPVECTOR" val="0"/>
+</p:tagLst>
+</file>
+
+<file path=ppt/tags/tag20.xml><?xml version="1.0" encoding="utf-8"?>
+<p:tagLst xmlns:a="http://schemas.openxmlformats.org/drawingml/2006/main" xmlns:r="http://schemas.openxmlformats.org/officeDocument/2006/relationships" xmlns:p="http://schemas.openxmlformats.org/presentationml/2006/main">
+  <p:tag name="OUTPUTDPI" val="1200"/>
+  <p:tag name="ORIGINALHEIGHT" val="10"/>
+  <p:tag name="ORIGINALWIDTH" val="98"/>
+  <p:tag name="OUTPUTTYPE" val="PDF"/>
+  <p:tag name="IGUANATEXVERSION" val="160"/>
+  <p:tag name="LATEXADDIN" val="\documentclass{article}&#10;\usepackage{amsmath}&#10;\pagestyle{empty}&#10;\begin{document}&#10;&#10;&#10;$$ KD_{anchor} = 10{-9} \text{ (M)} $$&#10;&#10;\end{document}"/>
+  <p:tag name="IGUANATEXSIZE" val="20"/>
+  <p:tag name="IGUANATEXCURSOR" val="85"/>
+  <p:tag name="TRANSPARENCY" val="True"/>
+  <p:tag name="LATEXENGINEID" val="0"/>
+  <p:tag name="TEMPFOLDER" val="/Users/lukeheirene/Library/Containers/com.microsoft.Powerpoint/Data/tmp/TemporaryItems/"/>
+  <p:tag name="LATEXFORMHEIGHT" val="426.65"/>
+  <p:tag name="LATEXFORMWIDTH" val="513.35"/>
+  <p:tag name="LATEXFORMWRAP" val="True"/>
+  <p:tag name="BITMAPVECTOR" val="0"/>
+</p:tagLst>
+</file>
+
+<file path=ppt/tags/tag3.xml><?xml version="1.0" encoding="utf-8"?>
+<p:tagLst xmlns:a="http://schemas.openxmlformats.org/drawingml/2006/main" xmlns:r="http://schemas.openxmlformats.org/officeDocument/2006/relationships" xmlns:p="http://schemas.openxmlformats.org/presentationml/2006/main">
+  <p:tag name="OUTPUTDPI" val="1200"/>
+  <p:tag name="ORIGINALHEIGHT" val="12"/>
+  <p:tag name="ORIGINALWIDTH" val="54"/>
+  <p:tag name="OUTPUTTYPE" val="PDF"/>
+  <p:tag name="IGUANATEXVERSION" val="160"/>
+  <p:tag name="LATEXADDIN" val="\documentclass{article}&#10;\usepackage{amsmath}&#10;\pagestyle{empty}&#10;\begin{document}&#10;&#10;&#10;$$ r_{target} = 10^3 $$&#10;&#10;\end{document}"/>
+  <p:tag name="IGUANATEXSIZE" val="20"/>
+  <p:tag name="IGUANATEXCURSOR" val="102"/>
+  <p:tag name="TRANSPARENCY" val="True"/>
+  <p:tag name="LATEXENGINEID" val="0"/>
+  <p:tag name="TEMPFOLDER" val="/Users/lukeheirene/Library/Containers/com.microsoft.Powerpoint/Data/tmp/TemporaryItems/"/>
+  <p:tag name="LATEXFORMHEIGHT" val="426.65"/>
+  <p:tag name="LATEXFORMWIDTH" val="513.35"/>
+  <p:tag name="LATEXFORMWRAP" val="True"/>
+  <p:tag name="BITMAPVECTOR" val="0"/>
+</p:tagLst>
+</file>
+
+<file path=ppt/tags/tag4.xml><?xml version="1.0" encoding="utf-8"?>
+<p:tagLst xmlns:a="http://schemas.openxmlformats.org/drawingml/2006/main" xmlns:r="http://schemas.openxmlformats.org/officeDocument/2006/relationships" xmlns:p="http://schemas.openxmlformats.org/presentationml/2006/main">
+  <p:tag name="OUTPUTDPI" val="1200"/>
+  <p:tag name="ORIGINALHEIGHT" val="11"/>
+  <p:tag name="ORIGINALWIDTH" val="57"/>
+  <p:tag name="OUTPUTTYPE" val="PDF"/>
+  <p:tag name="IGUANATEXVERSION" val="160"/>
+  <p:tag name="LATEXADDIN" val="\documentclass{article}&#10;\usepackage{amsmath}&#10;\pagestyle{empty}&#10;\begin{document}&#10;&#10;&#10;$$ r_{anchor} = 10^6 $$&#10;&#10;\end{document}"/>
+  <p:tag name="IGUANATEXSIZE" val="20"/>
+  <p:tag name="IGUANATEXCURSOR" val="85"/>
+  <p:tag name="TRANSPARENCY" val="True"/>
+  <p:tag name="LATEXENGINEID" val="0"/>
+  <p:tag name="TEMPFOLDER" val="/Users/lukeheirene/Library/Containers/com.microsoft.Powerpoint/Data/tmp/TemporaryItems/"/>
+  <p:tag name="LATEXFORMHEIGHT" val="426.65"/>
+  <p:tag name="LATEXFORMWIDTH" val="513.35"/>
+  <p:tag name="LATEXFORMWRAP" val="True"/>
+  <p:tag name="BITMAPVECTOR" val="0"/>
+</p:tagLst>
+</file>
+
+<file path=ppt/tags/tag5.xml><?xml version="1.0" encoding="utf-8"?>
+<p:tagLst xmlns:a="http://schemas.openxmlformats.org/drawingml/2006/main" xmlns:r="http://schemas.openxmlformats.org/officeDocument/2006/relationships" xmlns:p="http://schemas.openxmlformats.org/presentationml/2006/main">
+  <p:tag name="OUTPUTDPI" val="1200"/>
+  <p:tag name="ORIGINALHEIGHT" val="8"/>
+  <p:tag name="ORIGINALWIDTH" val="81"/>
+  <p:tag name="OUTPUTTYPE" val="PDF"/>
+  <p:tag name="IGUANATEXVERSION" val="160"/>
+  <p:tag name="LATEXADDIN" val="\documentclass{article}&#10;\usepackage{amsmath}&#10;\pagestyle{empty}&#10;\begin{document}&#10;&#10;&#10;$$ r_{target} = r_{nontarget} $$&#10;&#10;\end{document}"/>
+  <p:tag name="IGUANATEXSIZE" val="20"/>
+  <p:tag name="IGUANATEXCURSOR" val="112"/>
+  <p:tag name="TRANSPARENCY" val="True"/>
+  <p:tag name="LATEXENGINEID" val="0"/>
+  <p:tag name="TEMPFOLDER" val="/Users/lukeheirene/Library/Containers/com.microsoft.Powerpoint/Data/tmp/TemporaryItems/"/>
+  <p:tag name="LATEXFORMHEIGHT" val="426.65"/>
+  <p:tag name="LATEXFORMWIDTH" val="513.35"/>
+  <p:tag name="LATEXFORMWRAP" val="True"/>
+  <p:tag name="BITMAPVECTOR" val="0"/>
+</p:tagLst>
+</file>
+
+<file path=ppt/tags/tag6.xml><?xml version="1.0" encoding="utf-8"?>
+<p:tagLst xmlns:a="http://schemas.openxmlformats.org/drawingml/2006/main" xmlns:r="http://schemas.openxmlformats.org/officeDocument/2006/relationships" xmlns:p="http://schemas.openxmlformats.org/presentationml/2006/main">
+  <p:tag name="OUTPUTDPI" val="1200"/>
+  <p:tag name="ORIGINALHEIGHT" val="9"/>
+  <p:tag name="ORIGINALWIDTH" val="198"/>
+  <p:tag name="OUTPUTTYPE" val="PDF"/>
+  <p:tag name="IGUANATEXVERSION" val="160"/>
+  <p:tag name="LATEXADDIN" val="\documentclass{article}&#10;\usepackage{amsmath}&#10;\pagestyle{empty}&#10;\begin{document}&#10;&#10;&#10;Target cell number = Non-target cell number&#10;&#10;\end{document}"/>
+  <p:tag name="IGUANATEXSIZE" val="20"/>
+  <p:tag name="IGUANATEXCURSOR" val="125"/>
+  <p:tag name="TRANSPARENCY" val="True"/>
+  <p:tag name="LATEXENGINEID" val="0"/>
+  <p:tag name="TEMPFOLDER" val="/Users/lukeheirene/Library/Containers/com.microsoft.Powerpoint/Data/tmp/TemporaryItems/"/>
+  <p:tag name="LATEXFORMHEIGHT" val="426.65"/>
+  <p:tag name="LATEXFORMWIDTH" val="513.35"/>
+  <p:tag name="LATEXFORMWRAP" val="True"/>
+  <p:tag name="BITMAPVECTOR" val="0"/>
+</p:tagLst>
+</file>
+
+<file path=ppt/tags/tag7.xml><?xml version="1.0" encoding="utf-8"?>
+<p:tagLst xmlns:a="http://schemas.openxmlformats.org/drawingml/2006/main" xmlns:r="http://schemas.openxmlformats.org/officeDocument/2006/relationships" xmlns:p="http://schemas.openxmlformats.org/presentationml/2006/main">
+  <p:tag name="OUTPUTDPI" val="1200"/>
+  <p:tag name="ORIGINALHEIGHT" val="11"/>
+  <p:tag name="ORIGINALWIDTH" val="58"/>
+  <p:tag name="OUTPUTTYPE" val="PDF"/>
+  <p:tag name="IGUANATEXVERSION" val="160"/>
+  <p:tag name="LATEXADDIN" val="\documentclass{article}&#10;\usepackage{amsmath}&#10;\pagestyle{empty}&#10;\begin{document}&#10;&#10;&#10;$$ A_{init} = 10^{-11} $$&#10;&#10;\end{document}"/>
+  <p:tag name="IGUANATEXSIZE" val="20"/>
+  <p:tag name="IGUANATEXCURSOR" val="82"/>
+  <p:tag name="TRANSPARENCY" val="True"/>
+  <p:tag name="LATEXENGINEID" val="0"/>
+  <p:tag name="TEMPFOLDER" val="/Users/lukeheirene/Library/Containers/com.microsoft.Powerpoint/Data/tmp/TemporaryItems/"/>
+  <p:tag name="LATEXFORMHEIGHT" val="426.65"/>
+  <p:tag name="LATEXFORMWIDTH" val="513.35"/>
+  <p:tag name="LATEXFORMWRAP" val="True"/>
+  <p:tag name="BITMAPVECTOR" val="0"/>
+</p:tagLst>
+</file>
+
+<file path=ppt/tags/tag8.xml><?xml version="1.0" encoding="utf-8"?>
+<p:tagLst xmlns:a="http://schemas.openxmlformats.org/drawingml/2006/main" xmlns:r="http://schemas.openxmlformats.org/officeDocument/2006/relationships" xmlns:p="http://schemas.openxmlformats.org/presentationml/2006/main">
+  <p:tag name="OUTPUTDPI" val="1200"/>
+  <p:tag name="ORIGINALHEIGHT" val="11"/>
+  <p:tag name="ORIGINALWIDTH" val="55"/>
+  <p:tag name="OUTPUTTYPE" val="PDF"/>
+  <p:tag name="IGUANATEXVERSION" val="160"/>
+  <p:tag name="LATEXADDIN" val="\documentclass{article}&#10;\usepackage{amsmath}&#10;\pagestyle{empty}&#10;\begin{document}&#10;&#10;&#10;$$ A_{init} = 10^{-8} $$&#10;&#10;\end{document}"/>
+  <p:tag name="IGUANATEXSIZE" val="20"/>
+  <p:tag name="IGUANATEXCURSOR" val="102"/>
+  <p:tag name="TRANSPARENCY" val="True"/>
+  <p:tag name="LATEXENGINEID" val="0"/>
+  <p:tag name="TEMPFOLDER" val="/Users/lukeheirene/Library/Containers/com.microsoft.Powerpoint/Data/tmp/TemporaryItems/"/>
+  <p:tag name="LATEXFORMHEIGHT" val="426.65"/>
+  <p:tag name="LATEXFORMWIDTH" val="513.35"/>
+  <p:tag name="LATEXFORMWRAP" val="True"/>
+  <p:tag name="BITMAPVECTOR" val="0"/>
+</p:tagLst>
+</file>
+
+<file path=ppt/tags/tag9.xml><?xml version="1.0" encoding="utf-8"?>
+<p:tagLst xmlns:a="http://schemas.openxmlformats.org/drawingml/2006/main" xmlns:r="http://schemas.openxmlformats.org/officeDocument/2006/relationships" xmlns:p="http://schemas.openxmlformats.org/presentationml/2006/main">
+  <p:tag name="OUTPUTDPI" val="1200"/>
+  <p:tag name="ORIGINALHEIGHT" val="11"/>
+  <p:tag name="ORIGINALWIDTH" val="55"/>
+  <p:tag name="OUTPUTTYPE" val="PDF"/>
+  <p:tag name="IGUANATEXVERSION" val="160"/>
+  <p:tag name="LATEXADDIN" val="\documentclass{article}&#10;\usepackage{amsmath}&#10;\pagestyle{empty}&#10;\begin{document}&#10;&#10;&#10;$$ A_{init} = 10^{-5} $$&#10;&#10;\end{document}"/>
+  <p:tag name="IGUANATEXSIZE" val="20"/>
+  <p:tag name="IGUANATEXCURSOR" val="102"/>
+  <p:tag name="TRANSPARENCY" val="True"/>
+  <p:tag name="LATEXENGINEID" val="0"/>
+  <p:tag name="TEMPFOLDER" val="/Users/lukeheirene/Library/Containers/com.microsoft.Powerpoint/Data/tmp/TemporaryItems/"/>
+  <p:tag name="LATEXFORMHEIGHT" val="426.65"/>
+  <p:tag name="LATEXFORMWIDTH" val="513.35"/>
+  <p:tag name="LATEXFORMWRAP" val="True"/>
+  <p:tag name="BITMAPVECTOR" val="0"/>
+</p:tagLst>
 </file>
 
 <file path=ppt/theme/theme1.xml><?xml version="1.0" encoding="utf-8"?>
